--- a/Windows/Figures/Editing_Figure2.pptx
+++ b/Windows/Figures/Editing_Figure2.pptx
@@ -2,19 +2,19 @@
 <file path=ppt/presentation.xml><?xml version="1.0" encoding="utf-8"?>
 <p:presentation xmlns:a="http://schemas.openxmlformats.org/drawingml/2006/main" xmlns:r="http://schemas.openxmlformats.org/officeDocument/2006/relationships" xmlns:p="http://schemas.openxmlformats.org/presentationml/2006/main" saveSubsetFonts="1">
   <p:sldMasterIdLst>
-    <p:sldMasterId id="2147483660" r:id="rId1"/>
+    <p:sldMasterId id="2147483672" r:id="rId1"/>
   </p:sldMasterIdLst>
   <p:sldIdLst>
-    <p:sldId id="256" r:id="rId2"/>
+    <p:sldId id="257" r:id="rId2"/>
   </p:sldIdLst>
-  <p:sldSz cx="10080625" cy="6480175"/>
+  <p:sldSz cx="3600450" cy="7199313"/>
   <p:notesSz cx="6858000" cy="9144000"/>
   <p:defaultTextStyle>
     <a:defPPr>
       <a:defRPr lang="es-MX"/>
     </a:defPPr>
-    <a:lvl1pPr marL="0" algn="l" defTabSz="794888" rtl="0" eaLnBrk="1" latinLnBrk="0" hangingPunct="1">
-      <a:defRPr sz="1565" kern="1200">
+    <a:lvl1pPr marL="0" algn="l" defTabSz="518373" rtl="0" eaLnBrk="1" latinLnBrk="0" hangingPunct="1">
+      <a:defRPr sz="1020" kern="1200">
         <a:solidFill>
           <a:schemeClr val="tx1"/>
         </a:solidFill>
@@ -23,8 +23,8 @@
         <a:cs typeface="+mn-cs"/>
       </a:defRPr>
     </a:lvl1pPr>
-    <a:lvl2pPr marL="397444" algn="l" defTabSz="794888" rtl="0" eaLnBrk="1" latinLnBrk="0" hangingPunct="1">
-      <a:defRPr sz="1565" kern="1200">
+    <a:lvl2pPr marL="259187" algn="l" defTabSz="518373" rtl="0" eaLnBrk="1" latinLnBrk="0" hangingPunct="1">
+      <a:defRPr sz="1020" kern="1200">
         <a:solidFill>
           <a:schemeClr val="tx1"/>
         </a:solidFill>
@@ -33,8 +33,8 @@
         <a:cs typeface="+mn-cs"/>
       </a:defRPr>
     </a:lvl2pPr>
-    <a:lvl3pPr marL="794888" algn="l" defTabSz="794888" rtl="0" eaLnBrk="1" latinLnBrk="0" hangingPunct="1">
-      <a:defRPr sz="1565" kern="1200">
+    <a:lvl3pPr marL="518373" algn="l" defTabSz="518373" rtl="0" eaLnBrk="1" latinLnBrk="0" hangingPunct="1">
+      <a:defRPr sz="1020" kern="1200">
         <a:solidFill>
           <a:schemeClr val="tx1"/>
         </a:solidFill>
@@ -43,8 +43,8 @@
         <a:cs typeface="+mn-cs"/>
       </a:defRPr>
     </a:lvl3pPr>
-    <a:lvl4pPr marL="1192332" algn="l" defTabSz="794888" rtl="0" eaLnBrk="1" latinLnBrk="0" hangingPunct="1">
-      <a:defRPr sz="1565" kern="1200">
+    <a:lvl4pPr marL="777560" algn="l" defTabSz="518373" rtl="0" eaLnBrk="1" latinLnBrk="0" hangingPunct="1">
+      <a:defRPr sz="1020" kern="1200">
         <a:solidFill>
           <a:schemeClr val="tx1"/>
         </a:solidFill>
@@ -53,8 +53,8 @@
         <a:cs typeface="+mn-cs"/>
       </a:defRPr>
     </a:lvl4pPr>
-    <a:lvl5pPr marL="1589776" algn="l" defTabSz="794888" rtl="0" eaLnBrk="1" latinLnBrk="0" hangingPunct="1">
-      <a:defRPr sz="1565" kern="1200">
+    <a:lvl5pPr marL="1036747" algn="l" defTabSz="518373" rtl="0" eaLnBrk="1" latinLnBrk="0" hangingPunct="1">
+      <a:defRPr sz="1020" kern="1200">
         <a:solidFill>
           <a:schemeClr val="tx1"/>
         </a:solidFill>
@@ -63,8 +63,8 @@
         <a:cs typeface="+mn-cs"/>
       </a:defRPr>
     </a:lvl5pPr>
-    <a:lvl6pPr marL="1987220" algn="l" defTabSz="794888" rtl="0" eaLnBrk="1" latinLnBrk="0" hangingPunct="1">
-      <a:defRPr sz="1565" kern="1200">
+    <a:lvl6pPr marL="1295933" algn="l" defTabSz="518373" rtl="0" eaLnBrk="1" latinLnBrk="0" hangingPunct="1">
+      <a:defRPr sz="1020" kern="1200">
         <a:solidFill>
           <a:schemeClr val="tx1"/>
         </a:solidFill>
@@ -73,8 +73,8 @@
         <a:cs typeface="+mn-cs"/>
       </a:defRPr>
     </a:lvl6pPr>
-    <a:lvl7pPr marL="2384664" algn="l" defTabSz="794888" rtl="0" eaLnBrk="1" latinLnBrk="0" hangingPunct="1">
-      <a:defRPr sz="1565" kern="1200">
+    <a:lvl7pPr marL="1555120" algn="l" defTabSz="518373" rtl="0" eaLnBrk="1" latinLnBrk="0" hangingPunct="1">
+      <a:defRPr sz="1020" kern="1200">
         <a:solidFill>
           <a:schemeClr val="tx1"/>
         </a:solidFill>
@@ -83,8 +83,8 @@
         <a:cs typeface="+mn-cs"/>
       </a:defRPr>
     </a:lvl7pPr>
-    <a:lvl8pPr marL="2782108" algn="l" defTabSz="794888" rtl="0" eaLnBrk="1" latinLnBrk="0" hangingPunct="1">
-      <a:defRPr sz="1565" kern="1200">
+    <a:lvl8pPr marL="1814307" algn="l" defTabSz="518373" rtl="0" eaLnBrk="1" latinLnBrk="0" hangingPunct="1">
+      <a:defRPr sz="1020" kern="1200">
         <a:solidFill>
           <a:schemeClr val="tx1"/>
         </a:solidFill>
@@ -93,8 +93,8 @@
         <a:cs typeface="+mn-cs"/>
       </a:defRPr>
     </a:lvl8pPr>
-    <a:lvl9pPr marL="3179552" algn="l" defTabSz="794888" rtl="0" eaLnBrk="1" latinLnBrk="0" hangingPunct="1">
-      <a:defRPr sz="1565" kern="1200">
+    <a:lvl9pPr marL="2073493" algn="l" defTabSz="518373" rtl="0" eaLnBrk="1" latinLnBrk="0" hangingPunct="1">
+      <a:defRPr sz="1020" kern="1200">
         <a:solidFill>
           <a:schemeClr val="tx1"/>
         </a:solidFill>
@@ -141,15 +141,15 @@
         </p:nvSpPr>
         <p:spPr>
           <a:xfrm>
-            <a:off x="1260078" y="1060529"/>
-            <a:ext cx="7560469" cy="2256061"/>
+            <a:off x="270034" y="1178222"/>
+            <a:ext cx="3060383" cy="2506427"/>
           </a:xfrm>
         </p:spPr>
         <p:txBody>
           <a:bodyPr anchor="b"/>
           <a:lstStyle>
             <a:lvl1pPr algn="ctr">
-              <a:defRPr sz="4961"/>
+              <a:defRPr sz="2363"/>
             </a:lvl1pPr>
           </a:lstStyle>
           <a:p>
@@ -173,8 +173,8 @@
         </p:nvSpPr>
         <p:spPr>
           <a:xfrm>
-            <a:off x="1260078" y="3403592"/>
-            <a:ext cx="7560469" cy="1564542"/>
+            <a:off x="450056" y="3781306"/>
+            <a:ext cx="2700338" cy="1738167"/>
           </a:xfrm>
         </p:spPr>
         <p:txBody>
@@ -182,39 +182,39 @@
           <a:lstStyle>
             <a:lvl1pPr marL="0" indent="0" algn="ctr">
               <a:buNone/>
-              <a:defRPr sz="1984"/>
+              <a:defRPr sz="945"/>
             </a:lvl1pPr>
-            <a:lvl2pPr marL="378013" indent="0" algn="ctr">
-              <a:buNone/>
-              <a:defRPr sz="1654"/>
+            <a:lvl2pPr marL="180045" indent="0" algn="ctr">
+              <a:buNone/>
+              <a:defRPr sz="788"/>
             </a:lvl2pPr>
-            <a:lvl3pPr marL="756026" indent="0" algn="ctr">
-              <a:buNone/>
-              <a:defRPr sz="1488"/>
+            <a:lvl3pPr marL="360091" indent="0" algn="ctr">
+              <a:buNone/>
+              <a:defRPr sz="709"/>
             </a:lvl3pPr>
-            <a:lvl4pPr marL="1134039" indent="0" algn="ctr">
-              <a:buNone/>
-              <a:defRPr sz="1323"/>
+            <a:lvl4pPr marL="540136" indent="0" algn="ctr">
+              <a:buNone/>
+              <a:defRPr sz="630"/>
             </a:lvl4pPr>
-            <a:lvl5pPr marL="1512052" indent="0" algn="ctr">
-              <a:buNone/>
-              <a:defRPr sz="1323"/>
+            <a:lvl5pPr marL="720181" indent="0" algn="ctr">
+              <a:buNone/>
+              <a:defRPr sz="630"/>
             </a:lvl5pPr>
-            <a:lvl6pPr marL="1890065" indent="0" algn="ctr">
-              <a:buNone/>
-              <a:defRPr sz="1323"/>
+            <a:lvl6pPr marL="900227" indent="0" algn="ctr">
+              <a:buNone/>
+              <a:defRPr sz="630"/>
             </a:lvl6pPr>
-            <a:lvl7pPr marL="2268078" indent="0" algn="ctr">
-              <a:buNone/>
-              <a:defRPr sz="1323"/>
+            <a:lvl7pPr marL="1080272" indent="0" algn="ctr">
+              <a:buNone/>
+              <a:defRPr sz="630"/>
             </a:lvl7pPr>
-            <a:lvl8pPr marL="2646091" indent="0" algn="ctr">
-              <a:buNone/>
-              <a:defRPr sz="1323"/>
+            <a:lvl8pPr marL="1260318" indent="0" algn="ctr">
+              <a:buNone/>
+              <a:defRPr sz="630"/>
             </a:lvl8pPr>
-            <a:lvl9pPr marL="3024104" indent="0" algn="ctr">
-              <a:buNone/>
-              <a:defRPr sz="1323"/>
+            <a:lvl9pPr marL="1440363" indent="0" algn="ctr">
+              <a:buNone/>
+              <a:defRPr sz="630"/>
             </a:lvl9pPr>
           </a:lstStyle>
           <a:p>
@@ -241,9 +241,9 @@
           <a:bodyPr/>
           <a:lstStyle/>
           <a:p>
-            <a:fld id="{21307F91-D65B-47A0-9531-AF45692798D4}" type="datetimeFigureOut">
+            <a:fld id="{7DD4AFE3-42CC-4454-A5E4-FFB5893FAB51}" type="datetimeFigureOut">
               <a:rPr lang="es-MX" smtClean="0"/>
-              <a:t>27/05/2022</a:t>
+              <a:t>28/05/2022</a:t>
             </a:fld>
             <a:endParaRPr lang="es-MX"/>
           </a:p>
@@ -283,7 +283,7 @@
           <a:bodyPr/>
           <a:lstStyle/>
           <a:p>
-            <a:fld id="{2CB85631-9A6E-436D-9949-D55DC8D45722}" type="slidenum">
+            <a:fld id="{1A16464F-0E99-4C1B-B109-9738237D95B2}" type="slidenum">
               <a:rPr lang="es-MX" smtClean="0"/>
               <a:t>‹Nº›</a:t>
             </a:fld>
@@ -294,7 +294,7 @@
     </p:spTree>
     <p:extLst>
       <p:ext uri="{BB962C8B-B14F-4D97-AF65-F5344CB8AC3E}">
-        <p14:creationId xmlns:p14="http://schemas.microsoft.com/office/powerpoint/2010/main" val="2613087030"/>
+        <p14:creationId xmlns:p14="http://schemas.microsoft.com/office/powerpoint/2010/main" val="2009425022"/>
       </p:ext>
     </p:extLst>
   </p:cSld>
@@ -411,9 +411,9 @@
           <a:bodyPr/>
           <a:lstStyle/>
           <a:p>
-            <a:fld id="{21307F91-D65B-47A0-9531-AF45692798D4}" type="datetimeFigureOut">
+            <a:fld id="{7DD4AFE3-42CC-4454-A5E4-FFB5893FAB51}" type="datetimeFigureOut">
               <a:rPr lang="es-MX" smtClean="0"/>
-              <a:t>27/05/2022</a:t>
+              <a:t>28/05/2022</a:t>
             </a:fld>
             <a:endParaRPr lang="es-MX"/>
           </a:p>
@@ -453,7 +453,7 @@
           <a:bodyPr/>
           <a:lstStyle/>
           <a:p>
-            <a:fld id="{2CB85631-9A6E-436D-9949-D55DC8D45722}" type="slidenum">
+            <a:fld id="{1A16464F-0E99-4C1B-B109-9738237D95B2}" type="slidenum">
               <a:rPr lang="es-MX" smtClean="0"/>
               <a:t>‹Nº›</a:t>
             </a:fld>
@@ -464,7 +464,7 @@
     </p:spTree>
     <p:extLst>
       <p:ext uri="{BB962C8B-B14F-4D97-AF65-F5344CB8AC3E}">
-        <p14:creationId xmlns:p14="http://schemas.microsoft.com/office/powerpoint/2010/main" val="4058478280"/>
+        <p14:creationId xmlns:p14="http://schemas.microsoft.com/office/powerpoint/2010/main" val="3102020713"/>
       </p:ext>
     </p:extLst>
   </p:cSld>
@@ -503,8 +503,8 @@
         </p:nvSpPr>
         <p:spPr>
           <a:xfrm>
-            <a:off x="7213947" y="345009"/>
-            <a:ext cx="2173635" cy="5491649"/>
+            <a:off x="2576572" y="383297"/>
+            <a:ext cx="776347" cy="6101085"/>
           </a:xfrm>
         </p:spPr>
         <p:txBody>
@@ -531,8 +531,8 @@
         </p:nvSpPr>
         <p:spPr>
           <a:xfrm>
-            <a:off x="693043" y="345009"/>
-            <a:ext cx="6394896" cy="5491649"/>
+            <a:off x="247531" y="383297"/>
+            <a:ext cx="2284035" cy="6101085"/>
           </a:xfrm>
         </p:spPr>
         <p:txBody>
@@ -591,9 +591,9 @@
           <a:bodyPr/>
           <a:lstStyle/>
           <a:p>
-            <a:fld id="{21307F91-D65B-47A0-9531-AF45692798D4}" type="datetimeFigureOut">
+            <a:fld id="{7DD4AFE3-42CC-4454-A5E4-FFB5893FAB51}" type="datetimeFigureOut">
               <a:rPr lang="es-MX" smtClean="0"/>
-              <a:t>27/05/2022</a:t>
+              <a:t>28/05/2022</a:t>
             </a:fld>
             <a:endParaRPr lang="es-MX"/>
           </a:p>
@@ -633,7 +633,7 @@
           <a:bodyPr/>
           <a:lstStyle/>
           <a:p>
-            <a:fld id="{2CB85631-9A6E-436D-9949-D55DC8D45722}" type="slidenum">
+            <a:fld id="{1A16464F-0E99-4C1B-B109-9738237D95B2}" type="slidenum">
               <a:rPr lang="es-MX" smtClean="0"/>
               <a:t>‹Nº›</a:t>
             </a:fld>
@@ -644,7 +644,7 @@
     </p:spTree>
     <p:extLst>
       <p:ext uri="{BB962C8B-B14F-4D97-AF65-F5344CB8AC3E}">
-        <p14:creationId xmlns:p14="http://schemas.microsoft.com/office/powerpoint/2010/main" val="1600907068"/>
+        <p14:creationId xmlns:p14="http://schemas.microsoft.com/office/powerpoint/2010/main" val="3636698542"/>
       </p:ext>
     </p:extLst>
   </p:cSld>
@@ -761,9 +761,9 @@
           <a:bodyPr/>
           <a:lstStyle/>
           <a:p>
-            <a:fld id="{21307F91-D65B-47A0-9531-AF45692798D4}" type="datetimeFigureOut">
+            <a:fld id="{7DD4AFE3-42CC-4454-A5E4-FFB5893FAB51}" type="datetimeFigureOut">
               <a:rPr lang="es-MX" smtClean="0"/>
-              <a:t>27/05/2022</a:t>
+              <a:t>28/05/2022</a:t>
             </a:fld>
             <a:endParaRPr lang="es-MX"/>
           </a:p>
@@ -803,7 +803,7 @@
           <a:bodyPr/>
           <a:lstStyle/>
           <a:p>
-            <a:fld id="{2CB85631-9A6E-436D-9949-D55DC8D45722}" type="slidenum">
+            <a:fld id="{1A16464F-0E99-4C1B-B109-9738237D95B2}" type="slidenum">
               <a:rPr lang="es-MX" smtClean="0"/>
               <a:t>‹Nº›</a:t>
             </a:fld>
@@ -814,7 +814,7 @@
     </p:spTree>
     <p:extLst>
       <p:ext uri="{BB962C8B-B14F-4D97-AF65-F5344CB8AC3E}">
-        <p14:creationId xmlns:p14="http://schemas.microsoft.com/office/powerpoint/2010/main" val="891906945"/>
+        <p14:creationId xmlns:p14="http://schemas.microsoft.com/office/powerpoint/2010/main" val="941808467"/>
       </p:ext>
     </p:extLst>
   </p:cSld>
@@ -853,15 +853,15 @@
         </p:nvSpPr>
         <p:spPr>
           <a:xfrm>
-            <a:off x="687793" y="1615545"/>
-            <a:ext cx="8694539" cy="2695572"/>
+            <a:off x="245656" y="1794831"/>
+            <a:ext cx="3105388" cy="2994714"/>
           </a:xfrm>
         </p:spPr>
         <p:txBody>
           <a:bodyPr anchor="b"/>
           <a:lstStyle>
             <a:lvl1pPr>
-              <a:defRPr sz="4961"/>
+              <a:defRPr sz="2363"/>
             </a:lvl1pPr>
           </a:lstStyle>
           <a:p>
@@ -885,8 +885,8 @@
         </p:nvSpPr>
         <p:spPr>
           <a:xfrm>
-            <a:off x="687793" y="4336618"/>
-            <a:ext cx="8694539" cy="1417538"/>
+            <a:off x="245656" y="4817876"/>
+            <a:ext cx="3105388" cy="1574849"/>
           </a:xfrm>
         </p:spPr>
         <p:txBody>
@@ -894,17 +894,15 @@
           <a:lstStyle>
             <a:lvl1pPr marL="0" indent="0">
               <a:buNone/>
-              <a:defRPr sz="1984">
+              <a:defRPr sz="945">
                 <a:solidFill>
-                  <a:schemeClr val="tx1">
-                    <a:tint val="75000"/>
-                  </a:schemeClr>
+                  <a:schemeClr val="tx1"/>
                 </a:solidFill>
               </a:defRPr>
             </a:lvl1pPr>
-            <a:lvl2pPr marL="378013" indent="0">
-              <a:buNone/>
-              <a:defRPr sz="1654">
+            <a:lvl2pPr marL="180045" indent="0">
+              <a:buNone/>
+              <a:defRPr sz="788">
                 <a:solidFill>
                   <a:schemeClr val="tx1">
                     <a:tint val="75000"/>
@@ -912,9 +910,9 @@
                 </a:solidFill>
               </a:defRPr>
             </a:lvl2pPr>
-            <a:lvl3pPr marL="756026" indent="0">
-              <a:buNone/>
-              <a:defRPr sz="1488">
+            <a:lvl3pPr marL="360091" indent="0">
+              <a:buNone/>
+              <a:defRPr sz="709">
                 <a:solidFill>
                   <a:schemeClr val="tx1">
                     <a:tint val="75000"/>
@@ -922,9 +920,9 @@
                 </a:solidFill>
               </a:defRPr>
             </a:lvl3pPr>
-            <a:lvl4pPr marL="1134039" indent="0">
-              <a:buNone/>
-              <a:defRPr sz="1323">
+            <a:lvl4pPr marL="540136" indent="0">
+              <a:buNone/>
+              <a:defRPr sz="630">
                 <a:solidFill>
                   <a:schemeClr val="tx1">
                     <a:tint val="75000"/>
@@ -932,9 +930,9 @@
                 </a:solidFill>
               </a:defRPr>
             </a:lvl4pPr>
-            <a:lvl5pPr marL="1512052" indent="0">
-              <a:buNone/>
-              <a:defRPr sz="1323">
+            <a:lvl5pPr marL="720181" indent="0">
+              <a:buNone/>
+              <a:defRPr sz="630">
                 <a:solidFill>
                   <a:schemeClr val="tx1">
                     <a:tint val="75000"/>
@@ -942,9 +940,9 @@
                 </a:solidFill>
               </a:defRPr>
             </a:lvl5pPr>
-            <a:lvl6pPr marL="1890065" indent="0">
-              <a:buNone/>
-              <a:defRPr sz="1323">
+            <a:lvl6pPr marL="900227" indent="0">
+              <a:buNone/>
+              <a:defRPr sz="630">
                 <a:solidFill>
                   <a:schemeClr val="tx1">
                     <a:tint val="75000"/>
@@ -952,9 +950,9 @@
                 </a:solidFill>
               </a:defRPr>
             </a:lvl6pPr>
-            <a:lvl7pPr marL="2268078" indent="0">
-              <a:buNone/>
-              <a:defRPr sz="1323">
+            <a:lvl7pPr marL="1080272" indent="0">
+              <a:buNone/>
+              <a:defRPr sz="630">
                 <a:solidFill>
                   <a:schemeClr val="tx1">
                     <a:tint val="75000"/>
@@ -962,9 +960,9 @@
                 </a:solidFill>
               </a:defRPr>
             </a:lvl7pPr>
-            <a:lvl8pPr marL="2646091" indent="0">
-              <a:buNone/>
-              <a:defRPr sz="1323">
+            <a:lvl8pPr marL="1260318" indent="0">
+              <a:buNone/>
+              <a:defRPr sz="630">
                 <a:solidFill>
                   <a:schemeClr val="tx1">
                     <a:tint val="75000"/>
@@ -972,9 +970,9 @@
                 </a:solidFill>
               </a:defRPr>
             </a:lvl8pPr>
-            <a:lvl9pPr marL="3024104" indent="0">
-              <a:buNone/>
-              <a:defRPr sz="1323">
+            <a:lvl9pPr marL="1440363" indent="0">
+              <a:buNone/>
+              <a:defRPr sz="630">
                 <a:solidFill>
                   <a:schemeClr val="tx1">
                     <a:tint val="75000"/>
@@ -1007,9 +1005,9 @@
           <a:bodyPr/>
           <a:lstStyle/>
           <a:p>
-            <a:fld id="{21307F91-D65B-47A0-9531-AF45692798D4}" type="datetimeFigureOut">
+            <a:fld id="{7DD4AFE3-42CC-4454-A5E4-FFB5893FAB51}" type="datetimeFigureOut">
               <a:rPr lang="es-MX" smtClean="0"/>
-              <a:t>27/05/2022</a:t>
+              <a:t>28/05/2022</a:t>
             </a:fld>
             <a:endParaRPr lang="es-MX"/>
           </a:p>
@@ -1049,7 +1047,7 @@
           <a:bodyPr/>
           <a:lstStyle/>
           <a:p>
-            <a:fld id="{2CB85631-9A6E-436D-9949-D55DC8D45722}" type="slidenum">
+            <a:fld id="{1A16464F-0E99-4C1B-B109-9738237D95B2}" type="slidenum">
               <a:rPr lang="es-MX" smtClean="0"/>
               <a:t>‹Nº›</a:t>
             </a:fld>
@@ -1060,7 +1058,7 @@
     </p:spTree>
     <p:extLst>
       <p:ext uri="{BB962C8B-B14F-4D97-AF65-F5344CB8AC3E}">
-        <p14:creationId xmlns:p14="http://schemas.microsoft.com/office/powerpoint/2010/main" val="1746172501"/>
+        <p14:creationId xmlns:p14="http://schemas.microsoft.com/office/powerpoint/2010/main" val="1038039501"/>
       </p:ext>
     </p:extLst>
   </p:cSld>
@@ -1122,8 +1120,8 @@
         </p:nvSpPr>
         <p:spPr>
           <a:xfrm>
-            <a:off x="693043" y="1725046"/>
-            <a:ext cx="4284266" cy="4111612"/>
+            <a:off x="247531" y="1916484"/>
+            <a:ext cx="1530191" cy="4567898"/>
           </a:xfrm>
         </p:spPr>
         <p:txBody>
@@ -1179,8 +1177,8 @@
         </p:nvSpPr>
         <p:spPr>
           <a:xfrm>
-            <a:off x="5103316" y="1725046"/>
-            <a:ext cx="4284266" cy="4111612"/>
+            <a:off x="1822728" y="1916484"/>
+            <a:ext cx="1530191" cy="4567898"/>
           </a:xfrm>
         </p:spPr>
         <p:txBody>
@@ -1239,9 +1237,9 @@
           <a:bodyPr/>
           <a:lstStyle/>
           <a:p>
-            <a:fld id="{21307F91-D65B-47A0-9531-AF45692798D4}" type="datetimeFigureOut">
+            <a:fld id="{7DD4AFE3-42CC-4454-A5E4-FFB5893FAB51}" type="datetimeFigureOut">
               <a:rPr lang="es-MX" smtClean="0"/>
-              <a:t>27/05/2022</a:t>
+              <a:t>28/05/2022</a:t>
             </a:fld>
             <a:endParaRPr lang="es-MX"/>
           </a:p>
@@ -1281,7 +1279,7 @@
           <a:bodyPr/>
           <a:lstStyle/>
           <a:p>
-            <a:fld id="{2CB85631-9A6E-436D-9949-D55DC8D45722}" type="slidenum">
+            <a:fld id="{1A16464F-0E99-4C1B-B109-9738237D95B2}" type="slidenum">
               <a:rPr lang="es-MX" smtClean="0"/>
               <a:t>‹Nº›</a:t>
             </a:fld>
@@ -1292,7 +1290,7 @@
     </p:spTree>
     <p:extLst>
       <p:ext uri="{BB962C8B-B14F-4D97-AF65-F5344CB8AC3E}">
-        <p14:creationId xmlns:p14="http://schemas.microsoft.com/office/powerpoint/2010/main" val="1495375966"/>
+        <p14:creationId xmlns:p14="http://schemas.microsoft.com/office/powerpoint/2010/main" val="2126435876"/>
       </p:ext>
     </p:extLst>
   </p:cSld>
@@ -1331,8 +1329,8 @@
         </p:nvSpPr>
         <p:spPr>
           <a:xfrm>
-            <a:off x="694356" y="345010"/>
-            <a:ext cx="8694539" cy="1252534"/>
+            <a:off x="248000" y="383299"/>
+            <a:ext cx="3105388" cy="1391534"/>
           </a:xfrm>
         </p:spPr>
         <p:txBody>
@@ -1359,8 +1357,8 @@
         </p:nvSpPr>
         <p:spPr>
           <a:xfrm>
-            <a:off x="694357" y="1588543"/>
-            <a:ext cx="4264576" cy="778521"/>
+            <a:off x="248000" y="1764832"/>
+            <a:ext cx="1523159" cy="864917"/>
           </a:xfrm>
         </p:spPr>
         <p:txBody>
@@ -1368,39 +1366,39 @@
           <a:lstStyle>
             <a:lvl1pPr marL="0" indent="0">
               <a:buNone/>
-              <a:defRPr sz="1984" b="1"/>
+              <a:defRPr sz="945" b="1"/>
             </a:lvl1pPr>
-            <a:lvl2pPr marL="378013" indent="0">
-              <a:buNone/>
-              <a:defRPr sz="1654" b="1"/>
+            <a:lvl2pPr marL="180045" indent="0">
+              <a:buNone/>
+              <a:defRPr sz="788" b="1"/>
             </a:lvl2pPr>
-            <a:lvl3pPr marL="756026" indent="0">
-              <a:buNone/>
-              <a:defRPr sz="1488" b="1"/>
+            <a:lvl3pPr marL="360091" indent="0">
+              <a:buNone/>
+              <a:defRPr sz="709" b="1"/>
             </a:lvl3pPr>
-            <a:lvl4pPr marL="1134039" indent="0">
-              <a:buNone/>
-              <a:defRPr sz="1323" b="1"/>
+            <a:lvl4pPr marL="540136" indent="0">
+              <a:buNone/>
+              <a:defRPr sz="630" b="1"/>
             </a:lvl4pPr>
-            <a:lvl5pPr marL="1512052" indent="0">
-              <a:buNone/>
-              <a:defRPr sz="1323" b="1"/>
+            <a:lvl5pPr marL="720181" indent="0">
+              <a:buNone/>
+              <a:defRPr sz="630" b="1"/>
             </a:lvl5pPr>
-            <a:lvl6pPr marL="1890065" indent="0">
-              <a:buNone/>
-              <a:defRPr sz="1323" b="1"/>
+            <a:lvl6pPr marL="900227" indent="0">
+              <a:buNone/>
+              <a:defRPr sz="630" b="1"/>
             </a:lvl6pPr>
-            <a:lvl7pPr marL="2268078" indent="0">
-              <a:buNone/>
-              <a:defRPr sz="1323" b="1"/>
+            <a:lvl7pPr marL="1080272" indent="0">
+              <a:buNone/>
+              <a:defRPr sz="630" b="1"/>
             </a:lvl7pPr>
-            <a:lvl8pPr marL="2646091" indent="0">
-              <a:buNone/>
-              <a:defRPr sz="1323" b="1"/>
+            <a:lvl8pPr marL="1260318" indent="0">
+              <a:buNone/>
+              <a:defRPr sz="630" b="1"/>
             </a:lvl8pPr>
-            <a:lvl9pPr marL="3024104" indent="0">
-              <a:buNone/>
-              <a:defRPr sz="1323" b="1"/>
+            <a:lvl9pPr marL="1440363" indent="0">
+              <a:buNone/>
+              <a:defRPr sz="630" b="1"/>
             </a:lvl9pPr>
           </a:lstStyle>
           <a:p>
@@ -1424,8 +1422,8 @@
         </p:nvSpPr>
         <p:spPr>
           <a:xfrm>
-            <a:off x="694357" y="2367064"/>
-            <a:ext cx="4264576" cy="3481594"/>
+            <a:off x="248000" y="2629749"/>
+            <a:ext cx="1523159" cy="3867965"/>
           </a:xfrm>
         </p:spPr>
         <p:txBody>
@@ -1481,8 +1479,8 @@
         </p:nvSpPr>
         <p:spPr>
           <a:xfrm>
-            <a:off x="5103316" y="1588543"/>
-            <a:ext cx="4285579" cy="778521"/>
+            <a:off x="1822728" y="1764832"/>
+            <a:ext cx="1530660" cy="864917"/>
           </a:xfrm>
         </p:spPr>
         <p:txBody>
@@ -1490,39 +1488,39 @@
           <a:lstStyle>
             <a:lvl1pPr marL="0" indent="0">
               <a:buNone/>
-              <a:defRPr sz="1984" b="1"/>
+              <a:defRPr sz="945" b="1"/>
             </a:lvl1pPr>
-            <a:lvl2pPr marL="378013" indent="0">
-              <a:buNone/>
-              <a:defRPr sz="1654" b="1"/>
+            <a:lvl2pPr marL="180045" indent="0">
+              <a:buNone/>
+              <a:defRPr sz="788" b="1"/>
             </a:lvl2pPr>
-            <a:lvl3pPr marL="756026" indent="0">
-              <a:buNone/>
-              <a:defRPr sz="1488" b="1"/>
+            <a:lvl3pPr marL="360091" indent="0">
+              <a:buNone/>
+              <a:defRPr sz="709" b="1"/>
             </a:lvl3pPr>
-            <a:lvl4pPr marL="1134039" indent="0">
-              <a:buNone/>
-              <a:defRPr sz="1323" b="1"/>
+            <a:lvl4pPr marL="540136" indent="0">
+              <a:buNone/>
+              <a:defRPr sz="630" b="1"/>
             </a:lvl4pPr>
-            <a:lvl5pPr marL="1512052" indent="0">
-              <a:buNone/>
-              <a:defRPr sz="1323" b="1"/>
+            <a:lvl5pPr marL="720181" indent="0">
+              <a:buNone/>
+              <a:defRPr sz="630" b="1"/>
             </a:lvl5pPr>
-            <a:lvl6pPr marL="1890065" indent="0">
-              <a:buNone/>
-              <a:defRPr sz="1323" b="1"/>
+            <a:lvl6pPr marL="900227" indent="0">
+              <a:buNone/>
+              <a:defRPr sz="630" b="1"/>
             </a:lvl6pPr>
-            <a:lvl7pPr marL="2268078" indent="0">
-              <a:buNone/>
-              <a:defRPr sz="1323" b="1"/>
+            <a:lvl7pPr marL="1080272" indent="0">
+              <a:buNone/>
+              <a:defRPr sz="630" b="1"/>
             </a:lvl7pPr>
-            <a:lvl8pPr marL="2646091" indent="0">
-              <a:buNone/>
-              <a:defRPr sz="1323" b="1"/>
+            <a:lvl8pPr marL="1260318" indent="0">
+              <a:buNone/>
+              <a:defRPr sz="630" b="1"/>
             </a:lvl8pPr>
-            <a:lvl9pPr marL="3024104" indent="0">
-              <a:buNone/>
-              <a:defRPr sz="1323" b="1"/>
+            <a:lvl9pPr marL="1440363" indent="0">
+              <a:buNone/>
+              <a:defRPr sz="630" b="1"/>
             </a:lvl9pPr>
           </a:lstStyle>
           <a:p>
@@ -1546,8 +1544,8 @@
         </p:nvSpPr>
         <p:spPr>
           <a:xfrm>
-            <a:off x="5103316" y="2367064"/>
-            <a:ext cx="4285579" cy="3481594"/>
+            <a:off x="1822728" y="2629749"/>
+            <a:ext cx="1530660" cy="3867965"/>
           </a:xfrm>
         </p:spPr>
         <p:txBody>
@@ -1606,9 +1604,9 @@
           <a:bodyPr/>
           <a:lstStyle/>
           <a:p>
-            <a:fld id="{21307F91-D65B-47A0-9531-AF45692798D4}" type="datetimeFigureOut">
+            <a:fld id="{7DD4AFE3-42CC-4454-A5E4-FFB5893FAB51}" type="datetimeFigureOut">
               <a:rPr lang="es-MX" smtClean="0"/>
-              <a:t>27/05/2022</a:t>
+              <a:t>28/05/2022</a:t>
             </a:fld>
             <a:endParaRPr lang="es-MX"/>
           </a:p>
@@ -1648,7 +1646,7 @@
           <a:bodyPr/>
           <a:lstStyle/>
           <a:p>
-            <a:fld id="{2CB85631-9A6E-436D-9949-D55DC8D45722}" type="slidenum">
+            <a:fld id="{1A16464F-0E99-4C1B-B109-9738237D95B2}" type="slidenum">
               <a:rPr lang="es-MX" smtClean="0"/>
               <a:t>‹Nº›</a:t>
             </a:fld>
@@ -1659,7 +1657,7 @@
     </p:spTree>
     <p:extLst>
       <p:ext uri="{BB962C8B-B14F-4D97-AF65-F5344CB8AC3E}">
-        <p14:creationId xmlns:p14="http://schemas.microsoft.com/office/powerpoint/2010/main" val="2222057922"/>
+        <p14:creationId xmlns:p14="http://schemas.microsoft.com/office/powerpoint/2010/main" val="3262948925"/>
       </p:ext>
     </p:extLst>
   </p:cSld>
@@ -1724,9 +1722,9 @@
           <a:bodyPr/>
           <a:lstStyle/>
           <a:p>
-            <a:fld id="{21307F91-D65B-47A0-9531-AF45692798D4}" type="datetimeFigureOut">
+            <a:fld id="{7DD4AFE3-42CC-4454-A5E4-FFB5893FAB51}" type="datetimeFigureOut">
               <a:rPr lang="es-MX" smtClean="0"/>
-              <a:t>27/05/2022</a:t>
+              <a:t>28/05/2022</a:t>
             </a:fld>
             <a:endParaRPr lang="es-MX"/>
           </a:p>
@@ -1766,7 +1764,7 @@
           <a:bodyPr/>
           <a:lstStyle/>
           <a:p>
-            <a:fld id="{2CB85631-9A6E-436D-9949-D55DC8D45722}" type="slidenum">
+            <a:fld id="{1A16464F-0E99-4C1B-B109-9738237D95B2}" type="slidenum">
               <a:rPr lang="es-MX" smtClean="0"/>
               <a:t>‹Nº›</a:t>
             </a:fld>
@@ -1777,7 +1775,7 @@
     </p:spTree>
     <p:extLst>
       <p:ext uri="{BB962C8B-B14F-4D97-AF65-F5344CB8AC3E}">
-        <p14:creationId xmlns:p14="http://schemas.microsoft.com/office/powerpoint/2010/main" val="1877614045"/>
+        <p14:creationId xmlns:p14="http://schemas.microsoft.com/office/powerpoint/2010/main" val="54789367"/>
       </p:ext>
     </p:extLst>
   </p:cSld>
@@ -1819,9 +1817,9 @@
           <a:bodyPr/>
           <a:lstStyle/>
           <a:p>
-            <a:fld id="{21307F91-D65B-47A0-9531-AF45692798D4}" type="datetimeFigureOut">
+            <a:fld id="{7DD4AFE3-42CC-4454-A5E4-FFB5893FAB51}" type="datetimeFigureOut">
               <a:rPr lang="es-MX" smtClean="0"/>
-              <a:t>27/05/2022</a:t>
+              <a:t>28/05/2022</a:t>
             </a:fld>
             <a:endParaRPr lang="es-MX"/>
           </a:p>
@@ -1861,7 +1859,7 @@
           <a:bodyPr/>
           <a:lstStyle/>
           <a:p>
-            <a:fld id="{2CB85631-9A6E-436D-9949-D55DC8D45722}" type="slidenum">
+            <a:fld id="{1A16464F-0E99-4C1B-B109-9738237D95B2}" type="slidenum">
               <a:rPr lang="es-MX" smtClean="0"/>
               <a:t>‹Nº›</a:t>
             </a:fld>
@@ -1872,7 +1870,7 @@
     </p:spTree>
     <p:extLst>
       <p:ext uri="{BB962C8B-B14F-4D97-AF65-F5344CB8AC3E}">
-        <p14:creationId xmlns:p14="http://schemas.microsoft.com/office/powerpoint/2010/main" val="2832167964"/>
+        <p14:creationId xmlns:p14="http://schemas.microsoft.com/office/powerpoint/2010/main" val="891328220"/>
       </p:ext>
     </p:extLst>
   </p:cSld>
@@ -1911,15 +1909,15 @@
         </p:nvSpPr>
         <p:spPr>
           <a:xfrm>
-            <a:off x="694356" y="432012"/>
-            <a:ext cx="3251264" cy="1512041"/>
+            <a:off x="248000" y="479954"/>
+            <a:ext cx="1161239" cy="1679840"/>
           </a:xfrm>
         </p:spPr>
         <p:txBody>
           <a:bodyPr anchor="b"/>
           <a:lstStyle>
             <a:lvl1pPr>
-              <a:defRPr sz="2646"/>
+              <a:defRPr sz="1260"/>
             </a:lvl1pPr>
           </a:lstStyle>
           <a:p>
@@ -1943,39 +1941,39 @@
         </p:nvSpPr>
         <p:spPr>
           <a:xfrm>
-            <a:off x="4285579" y="933026"/>
-            <a:ext cx="5103316" cy="4605124"/>
+            <a:off x="1530660" y="1036570"/>
+            <a:ext cx="1822728" cy="5116178"/>
           </a:xfrm>
         </p:spPr>
         <p:txBody>
           <a:bodyPr/>
           <a:lstStyle>
             <a:lvl1pPr>
-              <a:defRPr sz="2646"/>
+              <a:defRPr sz="1260"/>
             </a:lvl1pPr>
             <a:lvl2pPr>
-              <a:defRPr sz="2315"/>
+              <a:defRPr sz="1103"/>
             </a:lvl2pPr>
             <a:lvl3pPr>
-              <a:defRPr sz="1984"/>
+              <a:defRPr sz="945"/>
             </a:lvl3pPr>
             <a:lvl4pPr>
-              <a:defRPr sz="1654"/>
+              <a:defRPr sz="788"/>
             </a:lvl4pPr>
             <a:lvl5pPr>
-              <a:defRPr sz="1654"/>
+              <a:defRPr sz="788"/>
             </a:lvl5pPr>
             <a:lvl6pPr>
-              <a:defRPr sz="1654"/>
+              <a:defRPr sz="788"/>
             </a:lvl6pPr>
             <a:lvl7pPr>
-              <a:defRPr sz="1654"/>
+              <a:defRPr sz="788"/>
             </a:lvl7pPr>
             <a:lvl8pPr>
-              <a:defRPr sz="1654"/>
+              <a:defRPr sz="788"/>
             </a:lvl8pPr>
             <a:lvl9pPr>
-              <a:defRPr sz="1654"/>
+              <a:defRPr sz="788"/>
             </a:lvl9pPr>
           </a:lstStyle>
           <a:p>
@@ -2028,8 +2026,8 @@
         </p:nvSpPr>
         <p:spPr>
           <a:xfrm>
-            <a:off x="694356" y="1944052"/>
-            <a:ext cx="3251264" cy="3601598"/>
+            <a:off x="248000" y="2159794"/>
+            <a:ext cx="1161239" cy="4001285"/>
           </a:xfrm>
         </p:spPr>
         <p:txBody>
@@ -2037,39 +2035,39 @@
           <a:lstStyle>
             <a:lvl1pPr marL="0" indent="0">
               <a:buNone/>
-              <a:defRPr sz="1323"/>
+              <a:defRPr sz="630"/>
             </a:lvl1pPr>
-            <a:lvl2pPr marL="378013" indent="0">
-              <a:buNone/>
-              <a:defRPr sz="1158"/>
+            <a:lvl2pPr marL="180045" indent="0">
+              <a:buNone/>
+              <a:defRPr sz="551"/>
             </a:lvl2pPr>
-            <a:lvl3pPr marL="756026" indent="0">
-              <a:buNone/>
-              <a:defRPr sz="992"/>
+            <a:lvl3pPr marL="360091" indent="0">
+              <a:buNone/>
+              <a:defRPr sz="473"/>
             </a:lvl3pPr>
-            <a:lvl4pPr marL="1134039" indent="0">
-              <a:buNone/>
-              <a:defRPr sz="827"/>
+            <a:lvl4pPr marL="540136" indent="0">
+              <a:buNone/>
+              <a:defRPr sz="394"/>
             </a:lvl4pPr>
-            <a:lvl5pPr marL="1512052" indent="0">
-              <a:buNone/>
-              <a:defRPr sz="827"/>
+            <a:lvl5pPr marL="720181" indent="0">
+              <a:buNone/>
+              <a:defRPr sz="394"/>
             </a:lvl5pPr>
-            <a:lvl6pPr marL="1890065" indent="0">
-              <a:buNone/>
-              <a:defRPr sz="827"/>
+            <a:lvl6pPr marL="900227" indent="0">
+              <a:buNone/>
+              <a:defRPr sz="394"/>
             </a:lvl6pPr>
-            <a:lvl7pPr marL="2268078" indent="0">
-              <a:buNone/>
-              <a:defRPr sz="827"/>
+            <a:lvl7pPr marL="1080272" indent="0">
+              <a:buNone/>
+              <a:defRPr sz="394"/>
             </a:lvl7pPr>
-            <a:lvl8pPr marL="2646091" indent="0">
-              <a:buNone/>
-              <a:defRPr sz="827"/>
+            <a:lvl8pPr marL="1260318" indent="0">
+              <a:buNone/>
+              <a:defRPr sz="394"/>
             </a:lvl8pPr>
-            <a:lvl9pPr marL="3024104" indent="0">
-              <a:buNone/>
-              <a:defRPr sz="827"/>
+            <a:lvl9pPr marL="1440363" indent="0">
+              <a:buNone/>
+              <a:defRPr sz="394"/>
             </a:lvl9pPr>
           </a:lstStyle>
           <a:p>
@@ -2096,9 +2094,9 @@
           <a:bodyPr/>
           <a:lstStyle/>
           <a:p>
-            <a:fld id="{21307F91-D65B-47A0-9531-AF45692798D4}" type="datetimeFigureOut">
+            <a:fld id="{7DD4AFE3-42CC-4454-A5E4-FFB5893FAB51}" type="datetimeFigureOut">
               <a:rPr lang="es-MX" smtClean="0"/>
-              <a:t>27/05/2022</a:t>
+              <a:t>28/05/2022</a:t>
             </a:fld>
             <a:endParaRPr lang="es-MX"/>
           </a:p>
@@ -2138,7 +2136,7 @@
           <a:bodyPr/>
           <a:lstStyle/>
           <a:p>
-            <a:fld id="{2CB85631-9A6E-436D-9949-D55DC8D45722}" type="slidenum">
+            <a:fld id="{1A16464F-0E99-4C1B-B109-9738237D95B2}" type="slidenum">
               <a:rPr lang="es-MX" smtClean="0"/>
               <a:t>‹Nº›</a:t>
             </a:fld>
@@ -2149,7 +2147,7 @@
     </p:spTree>
     <p:extLst>
       <p:ext uri="{BB962C8B-B14F-4D97-AF65-F5344CB8AC3E}">
-        <p14:creationId xmlns:p14="http://schemas.microsoft.com/office/powerpoint/2010/main" val="3806608403"/>
+        <p14:creationId xmlns:p14="http://schemas.microsoft.com/office/powerpoint/2010/main" val="2519784347"/>
       </p:ext>
     </p:extLst>
   </p:cSld>
@@ -2188,15 +2186,15 @@
         </p:nvSpPr>
         <p:spPr>
           <a:xfrm>
-            <a:off x="694356" y="432012"/>
-            <a:ext cx="3251264" cy="1512041"/>
+            <a:off x="248000" y="479954"/>
+            <a:ext cx="1161239" cy="1679840"/>
           </a:xfrm>
         </p:spPr>
         <p:txBody>
           <a:bodyPr anchor="b"/>
           <a:lstStyle>
             <a:lvl1pPr>
-              <a:defRPr sz="2646"/>
+              <a:defRPr sz="1260"/>
             </a:lvl1pPr>
           </a:lstStyle>
           <a:p>
@@ -2220,8 +2218,8 @@
         </p:nvSpPr>
         <p:spPr>
           <a:xfrm>
-            <a:off x="4285579" y="933026"/>
-            <a:ext cx="5103316" cy="4605124"/>
+            <a:off x="1530660" y="1036570"/>
+            <a:ext cx="1822728" cy="5116178"/>
           </a:xfrm>
         </p:spPr>
         <p:txBody>
@@ -2229,39 +2227,39 @@
           <a:lstStyle>
             <a:lvl1pPr marL="0" indent="0">
               <a:buNone/>
-              <a:defRPr sz="2646"/>
+              <a:defRPr sz="1260"/>
             </a:lvl1pPr>
-            <a:lvl2pPr marL="378013" indent="0">
-              <a:buNone/>
-              <a:defRPr sz="2315"/>
+            <a:lvl2pPr marL="180045" indent="0">
+              <a:buNone/>
+              <a:defRPr sz="1103"/>
             </a:lvl2pPr>
-            <a:lvl3pPr marL="756026" indent="0">
-              <a:buNone/>
-              <a:defRPr sz="1984"/>
+            <a:lvl3pPr marL="360091" indent="0">
+              <a:buNone/>
+              <a:defRPr sz="945"/>
             </a:lvl3pPr>
-            <a:lvl4pPr marL="1134039" indent="0">
-              <a:buNone/>
-              <a:defRPr sz="1654"/>
+            <a:lvl4pPr marL="540136" indent="0">
+              <a:buNone/>
+              <a:defRPr sz="788"/>
             </a:lvl4pPr>
-            <a:lvl5pPr marL="1512052" indent="0">
-              <a:buNone/>
-              <a:defRPr sz="1654"/>
+            <a:lvl5pPr marL="720181" indent="0">
+              <a:buNone/>
+              <a:defRPr sz="788"/>
             </a:lvl5pPr>
-            <a:lvl6pPr marL="1890065" indent="0">
-              <a:buNone/>
-              <a:defRPr sz="1654"/>
+            <a:lvl6pPr marL="900227" indent="0">
+              <a:buNone/>
+              <a:defRPr sz="788"/>
             </a:lvl6pPr>
-            <a:lvl7pPr marL="2268078" indent="0">
-              <a:buNone/>
-              <a:defRPr sz="1654"/>
+            <a:lvl7pPr marL="1080272" indent="0">
+              <a:buNone/>
+              <a:defRPr sz="788"/>
             </a:lvl7pPr>
-            <a:lvl8pPr marL="2646091" indent="0">
-              <a:buNone/>
-              <a:defRPr sz="1654"/>
+            <a:lvl8pPr marL="1260318" indent="0">
+              <a:buNone/>
+              <a:defRPr sz="788"/>
             </a:lvl8pPr>
-            <a:lvl9pPr marL="3024104" indent="0">
-              <a:buNone/>
-              <a:defRPr sz="1654"/>
+            <a:lvl9pPr marL="1440363" indent="0">
+              <a:buNone/>
+              <a:defRPr sz="788"/>
             </a:lvl9pPr>
           </a:lstStyle>
           <a:p>
@@ -2285,8 +2283,8 @@
         </p:nvSpPr>
         <p:spPr>
           <a:xfrm>
-            <a:off x="694356" y="1944052"/>
-            <a:ext cx="3251264" cy="3601598"/>
+            <a:off x="248000" y="2159794"/>
+            <a:ext cx="1161239" cy="4001285"/>
           </a:xfrm>
         </p:spPr>
         <p:txBody>
@@ -2294,39 +2292,39 @@
           <a:lstStyle>
             <a:lvl1pPr marL="0" indent="0">
               <a:buNone/>
-              <a:defRPr sz="1323"/>
+              <a:defRPr sz="630"/>
             </a:lvl1pPr>
-            <a:lvl2pPr marL="378013" indent="0">
-              <a:buNone/>
-              <a:defRPr sz="1158"/>
+            <a:lvl2pPr marL="180045" indent="0">
+              <a:buNone/>
+              <a:defRPr sz="551"/>
             </a:lvl2pPr>
-            <a:lvl3pPr marL="756026" indent="0">
-              <a:buNone/>
-              <a:defRPr sz="992"/>
+            <a:lvl3pPr marL="360091" indent="0">
+              <a:buNone/>
+              <a:defRPr sz="473"/>
             </a:lvl3pPr>
-            <a:lvl4pPr marL="1134039" indent="0">
-              <a:buNone/>
-              <a:defRPr sz="827"/>
+            <a:lvl4pPr marL="540136" indent="0">
+              <a:buNone/>
+              <a:defRPr sz="394"/>
             </a:lvl4pPr>
-            <a:lvl5pPr marL="1512052" indent="0">
-              <a:buNone/>
-              <a:defRPr sz="827"/>
+            <a:lvl5pPr marL="720181" indent="0">
+              <a:buNone/>
+              <a:defRPr sz="394"/>
             </a:lvl5pPr>
-            <a:lvl6pPr marL="1890065" indent="0">
-              <a:buNone/>
-              <a:defRPr sz="827"/>
+            <a:lvl6pPr marL="900227" indent="0">
+              <a:buNone/>
+              <a:defRPr sz="394"/>
             </a:lvl6pPr>
-            <a:lvl7pPr marL="2268078" indent="0">
-              <a:buNone/>
-              <a:defRPr sz="827"/>
+            <a:lvl7pPr marL="1080272" indent="0">
+              <a:buNone/>
+              <a:defRPr sz="394"/>
             </a:lvl7pPr>
-            <a:lvl8pPr marL="2646091" indent="0">
-              <a:buNone/>
-              <a:defRPr sz="827"/>
+            <a:lvl8pPr marL="1260318" indent="0">
+              <a:buNone/>
+              <a:defRPr sz="394"/>
             </a:lvl8pPr>
-            <a:lvl9pPr marL="3024104" indent="0">
-              <a:buNone/>
-              <a:defRPr sz="827"/>
+            <a:lvl9pPr marL="1440363" indent="0">
+              <a:buNone/>
+              <a:defRPr sz="394"/>
             </a:lvl9pPr>
           </a:lstStyle>
           <a:p>
@@ -2353,9 +2351,9 @@
           <a:bodyPr/>
           <a:lstStyle/>
           <a:p>
-            <a:fld id="{21307F91-D65B-47A0-9531-AF45692798D4}" type="datetimeFigureOut">
+            <a:fld id="{7DD4AFE3-42CC-4454-A5E4-FFB5893FAB51}" type="datetimeFigureOut">
               <a:rPr lang="es-MX" smtClean="0"/>
-              <a:t>27/05/2022</a:t>
+              <a:t>28/05/2022</a:t>
             </a:fld>
             <a:endParaRPr lang="es-MX"/>
           </a:p>
@@ -2395,7 +2393,7 @@
           <a:bodyPr/>
           <a:lstStyle/>
           <a:p>
-            <a:fld id="{2CB85631-9A6E-436D-9949-D55DC8D45722}" type="slidenum">
+            <a:fld id="{1A16464F-0E99-4C1B-B109-9738237D95B2}" type="slidenum">
               <a:rPr lang="es-MX" smtClean="0"/>
               <a:t>‹Nº›</a:t>
             </a:fld>
@@ -2406,7 +2404,7 @@
     </p:spTree>
     <p:extLst>
       <p:ext uri="{BB962C8B-B14F-4D97-AF65-F5344CB8AC3E}">
-        <p14:creationId xmlns:p14="http://schemas.microsoft.com/office/powerpoint/2010/main" val="2364338771"/>
+        <p14:creationId xmlns:p14="http://schemas.microsoft.com/office/powerpoint/2010/main" val="1342994967"/>
       </p:ext>
     </p:extLst>
   </p:cSld>
@@ -2450,8 +2448,8 @@
         </p:nvSpPr>
         <p:spPr>
           <a:xfrm>
-            <a:off x="693043" y="345010"/>
-            <a:ext cx="8694539" cy="1252534"/>
+            <a:off x="247531" y="383299"/>
+            <a:ext cx="3105388" cy="1391534"/>
           </a:xfrm>
           <a:prstGeom prst="rect">
             <a:avLst/>
@@ -2483,8 +2481,8 @@
         </p:nvSpPr>
         <p:spPr>
           <a:xfrm>
-            <a:off x="693043" y="1725046"/>
-            <a:ext cx="8694539" cy="4111612"/>
+            <a:off x="247531" y="1916484"/>
+            <a:ext cx="3105388" cy="4567898"/>
           </a:xfrm>
           <a:prstGeom prst="rect">
             <a:avLst/>
@@ -2545,8 +2543,8 @@
         </p:nvSpPr>
         <p:spPr>
           <a:xfrm>
-            <a:off x="693043" y="6006163"/>
-            <a:ext cx="2268141" cy="345009"/>
+            <a:off x="247531" y="6672698"/>
+            <a:ext cx="810101" cy="383297"/>
           </a:xfrm>
           <a:prstGeom prst="rect">
             <a:avLst/>
@@ -2556,7 +2554,7 @@
           <a:bodyPr vert="horz" lIns="91440" tIns="45720" rIns="91440" bIns="45720" rtlCol="0" anchor="ctr"/>
           <a:lstStyle>
             <a:lvl1pPr algn="l">
-              <a:defRPr sz="992">
+              <a:defRPr sz="473">
                 <a:solidFill>
                   <a:schemeClr val="tx1">
                     <a:tint val="75000"/>
@@ -2566,9 +2564,9 @@
             </a:lvl1pPr>
           </a:lstStyle>
           <a:p>
-            <a:fld id="{21307F91-D65B-47A0-9531-AF45692798D4}" type="datetimeFigureOut">
+            <a:fld id="{7DD4AFE3-42CC-4454-A5E4-FFB5893FAB51}" type="datetimeFigureOut">
               <a:rPr lang="es-MX" smtClean="0"/>
-              <a:t>27/05/2022</a:t>
+              <a:t>28/05/2022</a:t>
             </a:fld>
             <a:endParaRPr lang="es-MX"/>
           </a:p>
@@ -2586,8 +2584,8 @@
         </p:nvSpPr>
         <p:spPr>
           <a:xfrm>
-            <a:off x="3339207" y="6006163"/>
-            <a:ext cx="3402211" cy="345009"/>
+            <a:off x="1192649" y="6672698"/>
+            <a:ext cx="1215152" cy="383297"/>
           </a:xfrm>
           <a:prstGeom prst="rect">
             <a:avLst/>
@@ -2597,7 +2595,7 @@
           <a:bodyPr vert="horz" lIns="91440" tIns="45720" rIns="91440" bIns="45720" rtlCol="0" anchor="ctr"/>
           <a:lstStyle>
             <a:lvl1pPr algn="ctr">
-              <a:defRPr sz="992">
+              <a:defRPr sz="473">
                 <a:solidFill>
                   <a:schemeClr val="tx1">
                     <a:tint val="75000"/>
@@ -2623,8 +2621,8 @@
         </p:nvSpPr>
         <p:spPr>
           <a:xfrm>
-            <a:off x="7119441" y="6006163"/>
-            <a:ext cx="2268141" cy="345009"/>
+            <a:off x="2542818" y="6672698"/>
+            <a:ext cx="810101" cy="383297"/>
           </a:xfrm>
           <a:prstGeom prst="rect">
             <a:avLst/>
@@ -2634,7 +2632,7 @@
           <a:bodyPr vert="horz" lIns="91440" tIns="45720" rIns="91440" bIns="45720" rtlCol="0" anchor="ctr"/>
           <a:lstStyle>
             <a:lvl1pPr algn="r">
-              <a:defRPr sz="992">
+              <a:defRPr sz="473">
                 <a:solidFill>
                   <a:schemeClr val="tx1">
                     <a:tint val="75000"/>
@@ -2644,7 +2642,7 @@
             </a:lvl1pPr>
           </a:lstStyle>
           <a:p>
-            <a:fld id="{2CB85631-9A6E-436D-9949-D55DC8D45722}" type="slidenum">
+            <a:fld id="{1A16464F-0E99-4C1B-B109-9738237D95B2}" type="slidenum">
               <a:rPr lang="es-MX" smtClean="0"/>
               <a:t>‹Nº›</a:t>
             </a:fld>
@@ -2655,27 +2653,27 @@
     </p:spTree>
     <p:extLst>
       <p:ext uri="{BB962C8B-B14F-4D97-AF65-F5344CB8AC3E}">
-        <p14:creationId xmlns:p14="http://schemas.microsoft.com/office/powerpoint/2010/main" val="1828365228"/>
+        <p14:creationId xmlns:p14="http://schemas.microsoft.com/office/powerpoint/2010/main" val="3562388675"/>
       </p:ext>
     </p:extLst>
   </p:cSld>
   <p:clrMap bg1="lt1" tx1="dk1" bg2="lt2" tx2="dk2" accent1="accent1" accent2="accent2" accent3="accent3" accent4="accent4" accent5="accent5" accent6="accent6" hlink="hlink" folHlink="folHlink"/>
   <p:sldLayoutIdLst>
-    <p:sldLayoutId id="2147483661" r:id="rId1"/>
-    <p:sldLayoutId id="2147483662" r:id="rId2"/>
-    <p:sldLayoutId id="2147483663" r:id="rId3"/>
-    <p:sldLayoutId id="2147483664" r:id="rId4"/>
-    <p:sldLayoutId id="2147483665" r:id="rId5"/>
-    <p:sldLayoutId id="2147483666" r:id="rId6"/>
-    <p:sldLayoutId id="2147483667" r:id="rId7"/>
-    <p:sldLayoutId id="2147483668" r:id="rId8"/>
-    <p:sldLayoutId id="2147483669" r:id="rId9"/>
-    <p:sldLayoutId id="2147483670" r:id="rId10"/>
-    <p:sldLayoutId id="2147483671" r:id="rId11"/>
+    <p:sldLayoutId id="2147483673" r:id="rId1"/>
+    <p:sldLayoutId id="2147483674" r:id="rId2"/>
+    <p:sldLayoutId id="2147483675" r:id="rId3"/>
+    <p:sldLayoutId id="2147483676" r:id="rId4"/>
+    <p:sldLayoutId id="2147483677" r:id="rId5"/>
+    <p:sldLayoutId id="2147483678" r:id="rId6"/>
+    <p:sldLayoutId id="2147483679" r:id="rId7"/>
+    <p:sldLayoutId id="2147483680" r:id="rId8"/>
+    <p:sldLayoutId id="2147483681" r:id="rId9"/>
+    <p:sldLayoutId id="2147483682" r:id="rId10"/>
+    <p:sldLayoutId id="2147483683" r:id="rId11"/>
   </p:sldLayoutIdLst>
   <p:txStyles>
     <p:titleStyle>
-      <a:lvl1pPr algn="l" defTabSz="756026" rtl="0" eaLnBrk="1" latinLnBrk="0" hangingPunct="1">
+      <a:lvl1pPr algn="l" defTabSz="360091" rtl="0" eaLnBrk="1" latinLnBrk="0" hangingPunct="1">
         <a:lnSpc>
           <a:spcPct val="90000"/>
         </a:lnSpc>
@@ -2683,7 +2681,7 @@
           <a:spcPct val="0"/>
         </a:spcBef>
         <a:buNone/>
-        <a:defRPr sz="3638" kern="1200">
+        <a:defRPr sz="1733" kern="1200">
           <a:solidFill>
             <a:schemeClr val="tx1"/>
           </a:solidFill>
@@ -2694,16 +2692,16 @@
       </a:lvl1pPr>
     </p:titleStyle>
     <p:bodyStyle>
-      <a:lvl1pPr marL="189006" indent="-189006" algn="l" defTabSz="756026" rtl="0" eaLnBrk="1" latinLnBrk="0" hangingPunct="1">
+      <a:lvl1pPr marL="90023" indent="-90023" algn="l" defTabSz="360091" rtl="0" eaLnBrk="1" latinLnBrk="0" hangingPunct="1">
         <a:lnSpc>
           <a:spcPct val="90000"/>
         </a:lnSpc>
         <a:spcBef>
-          <a:spcPts val="827"/>
+          <a:spcPts val="394"/>
         </a:spcBef>
         <a:buFont typeface="Arial" panose="020B0604020202020204" pitchFamily="34" charset="0"/>
         <a:buChar char="•"/>
-        <a:defRPr sz="2315" kern="1200">
+        <a:defRPr sz="1103" kern="1200">
           <a:solidFill>
             <a:schemeClr val="tx1"/>
           </a:solidFill>
@@ -2712,16 +2710,16 @@
           <a:cs typeface="+mn-cs"/>
         </a:defRPr>
       </a:lvl1pPr>
-      <a:lvl2pPr marL="567019" indent="-189006" algn="l" defTabSz="756026" rtl="0" eaLnBrk="1" latinLnBrk="0" hangingPunct="1">
+      <a:lvl2pPr marL="270068" indent="-90023" algn="l" defTabSz="360091" rtl="0" eaLnBrk="1" latinLnBrk="0" hangingPunct="1">
         <a:lnSpc>
           <a:spcPct val="90000"/>
         </a:lnSpc>
         <a:spcBef>
-          <a:spcPts val="413"/>
+          <a:spcPts val="197"/>
         </a:spcBef>
         <a:buFont typeface="Arial" panose="020B0604020202020204" pitchFamily="34" charset="0"/>
         <a:buChar char="•"/>
-        <a:defRPr sz="1984" kern="1200">
+        <a:defRPr sz="945" kern="1200">
           <a:solidFill>
             <a:schemeClr val="tx1"/>
           </a:solidFill>
@@ -2730,16 +2728,16 @@
           <a:cs typeface="+mn-cs"/>
         </a:defRPr>
       </a:lvl2pPr>
-      <a:lvl3pPr marL="945032" indent="-189006" algn="l" defTabSz="756026" rtl="0" eaLnBrk="1" latinLnBrk="0" hangingPunct="1">
+      <a:lvl3pPr marL="450113" indent="-90023" algn="l" defTabSz="360091" rtl="0" eaLnBrk="1" latinLnBrk="0" hangingPunct="1">
         <a:lnSpc>
           <a:spcPct val="90000"/>
         </a:lnSpc>
         <a:spcBef>
-          <a:spcPts val="413"/>
+          <a:spcPts val="197"/>
         </a:spcBef>
         <a:buFont typeface="Arial" panose="020B0604020202020204" pitchFamily="34" charset="0"/>
         <a:buChar char="•"/>
-        <a:defRPr sz="1654" kern="1200">
+        <a:defRPr sz="788" kern="1200">
           <a:solidFill>
             <a:schemeClr val="tx1"/>
           </a:solidFill>
@@ -2748,16 +2746,16 @@
           <a:cs typeface="+mn-cs"/>
         </a:defRPr>
       </a:lvl3pPr>
-      <a:lvl4pPr marL="1323045" indent="-189006" algn="l" defTabSz="756026" rtl="0" eaLnBrk="1" latinLnBrk="0" hangingPunct="1">
+      <a:lvl4pPr marL="630159" indent="-90023" algn="l" defTabSz="360091" rtl="0" eaLnBrk="1" latinLnBrk="0" hangingPunct="1">
         <a:lnSpc>
           <a:spcPct val="90000"/>
         </a:lnSpc>
         <a:spcBef>
-          <a:spcPts val="413"/>
+          <a:spcPts val="197"/>
         </a:spcBef>
         <a:buFont typeface="Arial" panose="020B0604020202020204" pitchFamily="34" charset="0"/>
         <a:buChar char="•"/>
-        <a:defRPr sz="1488" kern="1200">
+        <a:defRPr sz="709" kern="1200">
           <a:solidFill>
             <a:schemeClr val="tx1"/>
           </a:solidFill>
@@ -2766,16 +2764,16 @@
           <a:cs typeface="+mn-cs"/>
         </a:defRPr>
       </a:lvl4pPr>
-      <a:lvl5pPr marL="1701058" indent="-189006" algn="l" defTabSz="756026" rtl="0" eaLnBrk="1" latinLnBrk="0" hangingPunct="1">
+      <a:lvl5pPr marL="810204" indent="-90023" algn="l" defTabSz="360091" rtl="0" eaLnBrk="1" latinLnBrk="0" hangingPunct="1">
         <a:lnSpc>
           <a:spcPct val="90000"/>
         </a:lnSpc>
         <a:spcBef>
-          <a:spcPts val="413"/>
+          <a:spcPts val="197"/>
         </a:spcBef>
         <a:buFont typeface="Arial" panose="020B0604020202020204" pitchFamily="34" charset="0"/>
         <a:buChar char="•"/>
-        <a:defRPr sz="1488" kern="1200">
+        <a:defRPr sz="709" kern="1200">
           <a:solidFill>
             <a:schemeClr val="tx1"/>
           </a:solidFill>
@@ -2784,16 +2782,16 @@
           <a:cs typeface="+mn-cs"/>
         </a:defRPr>
       </a:lvl5pPr>
-      <a:lvl6pPr marL="2079071" indent="-189006" algn="l" defTabSz="756026" rtl="0" eaLnBrk="1" latinLnBrk="0" hangingPunct="1">
+      <a:lvl6pPr marL="990249" indent="-90023" algn="l" defTabSz="360091" rtl="0" eaLnBrk="1" latinLnBrk="0" hangingPunct="1">
         <a:lnSpc>
           <a:spcPct val="90000"/>
         </a:lnSpc>
         <a:spcBef>
-          <a:spcPts val="413"/>
+          <a:spcPts val="197"/>
         </a:spcBef>
         <a:buFont typeface="Arial" panose="020B0604020202020204" pitchFamily="34" charset="0"/>
         <a:buChar char="•"/>
-        <a:defRPr sz="1488" kern="1200">
+        <a:defRPr sz="709" kern="1200">
           <a:solidFill>
             <a:schemeClr val="tx1"/>
           </a:solidFill>
@@ -2802,16 +2800,16 @@
           <a:cs typeface="+mn-cs"/>
         </a:defRPr>
       </a:lvl6pPr>
-      <a:lvl7pPr marL="2457084" indent="-189006" algn="l" defTabSz="756026" rtl="0" eaLnBrk="1" latinLnBrk="0" hangingPunct="1">
+      <a:lvl7pPr marL="1170295" indent="-90023" algn="l" defTabSz="360091" rtl="0" eaLnBrk="1" latinLnBrk="0" hangingPunct="1">
         <a:lnSpc>
           <a:spcPct val="90000"/>
         </a:lnSpc>
         <a:spcBef>
-          <a:spcPts val="413"/>
+          <a:spcPts val="197"/>
         </a:spcBef>
         <a:buFont typeface="Arial" panose="020B0604020202020204" pitchFamily="34" charset="0"/>
         <a:buChar char="•"/>
-        <a:defRPr sz="1488" kern="1200">
+        <a:defRPr sz="709" kern="1200">
           <a:solidFill>
             <a:schemeClr val="tx1"/>
           </a:solidFill>
@@ -2820,16 +2818,16 @@
           <a:cs typeface="+mn-cs"/>
         </a:defRPr>
       </a:lvl7pPr>
-      <a:lvl8pPr marL="2835097" indent="-189006" algn="l" defTabSz="756026" rtl="0" eaLnBrk="1" latinLnBrk="0" hangingPunct="1">
+      <a:lvl8pPr marL="1350340" indent="-90023" algn="l" defTabSz="360091" rtl="0" eaLnBrk="1" latinLnBrk="0" hangingPunct="1">
         <a:lnSpc>
           <a:spcPct val="90000"/>
         </a:lnSpc>
         <a:spcBef>
-          <a:spcPts val="413"/>
+          <a:spcPts val="197"/>
         </a:spcBef>
         <a:buFont typeface="Arial" panose="020B0604020202020204" pitchFamily="34" charset="0"/>
         <a:buChar char="•"/>
-        <a:defRPr sz="1488" kern="1200">
+        <a:defRPr sz="709" kern="1200">
           <a:solidFill>
             <a:schemeClr val="tx1"/>
           </a:solidFill>
@@ -2838,16 +2836,16 @@
           <a:cs typeface="+mn-cs"/>
         </a:defRPr>
       </a:lvl8pPr>
-      <a:lvl9pPr marL="3213110" indent="-189006" algn="l" defTabSz="756026" rtl="0" eaLnBrk="1" latinLnBrk="0" hangingPunct="1">
+      <a:lvl9pPr marL="1530386" indent="-90023" algn="l" defTabSz="360091" rtl="0" eaLnBrk="1" latinLnBrk="0" hangingPunct="1">
         <a:lnSpc>
           <a:spcPct val="90000"/>
         </a:lnSpc>
         <a:spcBef>
-          <a:spcPts val="413"/>
+          <a:spcPts val="197"/>
         </a:spcBef>
         <a:buFont typeface="Arial" panose="020B0604020202020204" pitchFamily="34" charset="0"/>
         <a:buChar char="•"/>
-        <a:defRPr sz="1488" kern="1200">
+        <a:defRPr sz="709" kern="1200">
           <a:solidFill>
             <a:schemeClr val="tx1"/>
           </a:solidFill>
@@ -2861,8 +2859,8 @@
       <a:defPPr>
         <a:defRPr lang="en-US"/>
       </a:defPPr>
-      <a:lvl1pPr marL="0" algn="l" defTabSz="756026" rtl="0" eaLnBrk="1" latinLnBrk="0" hangingPunct="1">
-        <a:defRPr sz="1488" kern="1200">
+      <a:lvl1pPr marL="0" algn="l" defTabSz="360091" rtl="0" eaLnBrk="1" latinLnBrk="0" hangingPunct="1">
+        <a:defRPr sz="709" kern="1200">
           <a:solidFill>
             <a:schemeClr val="tx1"/>
           </a:solidFill>
@@ -2871,8 +2869,8 @@
           <a:cs typeface="+mn-cs"/>
         </a:defRPr>
       </a:lvl1pPr>
-      <a:lvl2pPr marL="378013" algn="l" defTabSz="756026" rtl="0" eaLnBrk="1" latinLnBrk="0" hangingPunct="1">
-        <a:defRPr sz="1488" kern="1200">
+      <a:lvl2pPr marL="180045" algn="l" defTabSz="360091" rtl="0" eaLnBrk="1" latinLnBrk="0" hangingPunct="1">
+        <a:defRPr sz="709" kern="1200">
           <a:solidFill>
             <a:schemeClr val="tx1"/>
           </a:solidFill>
@@ -2881,8 +2879,8 @@
           <a:cs typeface="+mn-cs"/>
         </a:defRPr>
       </a:lvl2pPr>
-      <a:lvl3pPr marL="756026" algn="l" defTabSz="756026" rtl="0" eaLnBrk="1" latinLnBrk="0" hangingPunct="1">
-        <a:defRPr sz="1488" kern="1200">
+      <a:lvl3pPr marL="360091" algn="l" defTabSz="360091" rtl="0" eaLnBrk="1" latinLnBrk="0" hangingPunct="1">
+        <a:defRPr sz="709" kern="1200">
           <a:solidFill>
             <a:schemeClr val="tx1"/>
           </a:solidFill>
@@ -2891,8 +2889,8 @@
           <a:cs typeface="+mn-cs"/>
         </a:defRPr>
       </a:lvl3pPr>
-      <a:lvl4pPr marL="1134039" algn="l" defTabSz="756026" rtl="0" eaLnBrk="1" latinLnBrk="0" hangingPunct="1">
-        <a:defRPr sz="1488" kern="1200">
+      <a:lvl4pPr marL="540136" algn="l" defTabSz="360091" rtl="0" eaLnBrk="1" latinLnBrk="0" hangingPunct="1">
+        <a:defRPr sz="709" kern="1200">
           <a:solidFill>
             <a:schemeClr val="tx1"/>
           </a:solidFill>
@@ -2901,8 +2899,8 @@
           <a:cs typeface="+mn-cs"/>
         </a:defRPr>
       </a:lvl4pPr>
-      <a:lvl5pPr marL="1512052" algn="l" defTabSz="756026" rtl="0" eaLnBrk="1" latinLnBrk="0" hangingPunct="1">
-        <a:defRPr sz="1488" kern="1200">
+      <a:lvl5pPr marL="720181" algn="l" defTabSz="360091" rtl="0" eaLnBrk="1" latinLnBrk="0" hangingPunct="1">
+        <a:defRPr sz="709" kern="1200">
           <a:solidFill>
             <a:schemeClr val="tx1"/>
           </a:solidFill>
@@ -2911,8 +2909,8 @@
           <a:cs typeface="+mn-cs"/>
         </a:defRPr>
       </a:lvl5pPr>
-      <a:lvl6pPr marL="1890065" algn="l" defTabSz="756026" rtl="0" eaLnBrk="1" latinLnBrk="0" hangingPunct="1">
-        <a:defRPr sz="1488" kern="1200">
+      <a:lvl6pPr marL="900227" algn="l" defTabSz="360091" rtl="0" eaLnBrk="1" latinLnBrk="0" hangingPunct="1">
+        <a:defRPr sz="709" kern="1200">
           <a:solidFill>
             <a:schemeClr val="tx1"/>
           </a:solidFill>
@@ -2921,8 +2919,8 @@
           <a:cs typeface="+mn-cs"/>
         </a:defRPr>
       </a:lvl6pPr>
-      <a:lvl7pPr marL="2268078" algn="l" defTabSz="756026" rtl="0" eaLnBrk="1" latinLnBrk="0" hangingPunct="1">
-        <a:defRPr sz="1488" kern="1200">
+      <a:lvl7pPr marL="1080272" algn="l" defTabSz="360091" rtl="0" eaLnBrk="1" latinLnBrk="0" hangingPunct="1">
+        <a:defRPr sz="709" kern="1200">
           <a:solidFill>
             <a:schemeClr val="tx1"/>
           </a:solidFill>
@@ -2931,8 +2929,8 @@
           <a:cs typeface="+mn-cs"/>
         </a:defRPr>
       </a:lvl7pPr>
-      <a:lvl8pPr marL="2646091" algn="l" defTabSz="756026" rtl="0" eaLnBrk="1" latinLnBrk="0" hangingPunct="1">
-        <a:defRPr sz="1488" kern="1200">
+      <a:lvl8pPr marL="1260318" algn="l" defTabSz="360091" rtl="0" eaLnBrk="1" latinLnBrk="0" hangingPunct="1">
+        <a:defRPr sz="709" kern="1200">
           <a:solidFill>
             <a:schemeClr val="tx1"/>
           </a:solidFill>
@@ -2941,8 +2939,8 @@
           <a:cs typeface="+mn-cs"/>
         </a:defRPr>
       </a:lvl8pPr>
-      <a:lvl9pPr marL="3024104" algn="l" defTabSz="756026" rtl="0" eaLnBrk="1" latinLnBrk="0" hangingPunct="1">
-        <a:defRPr sz="1488" kern="1200">
+      <a:lvl9pPr marL="1440363" algn="l" defTabSz="360091" rtl="0" eaLnBrk="1" latinLnBrk="0" hangingPunct="1">
+        <a:defRPr sz="709" kern="1200">
           <a:solidFill>
             <a:schemeClr val="tx1"/>
           </a:solidFill>
@@ -2975,21 +2973,21 @@
       </p:grpSpPr>
       <p:grpSp>
         <p:nvGrpSpPr>
-          <p:cNvPr id="9" name="Grupo 8"/>
+          <p:cNvPr id="13" name="Grupo 12"/>
           <p:cNvGrpSpPr/>
           <p:nvPr/>
         </p:nvGrpSpPr>
         <p:grpSpPr>
           <a:xfrm>
-            <a:off x="22225" y="123624"/>
-            <a:ext cx="10058400" cy="6240640"/>
-            <a:chOff x="1019180" y="341194"/>
-            <a:chExt cx="10058400" cy="6240640"/>
+            <a:off x="854" y="-28615"/>
+            <a:ext cx="3666646" cy="7227965"/>
+            <a:chOff x="854" y="-28615"/>
+            <a:chExt cx="3666646" cy="7227965"/>
           </a:xfrm>
         </p:grpSpPr>
         <p:pic>
           <p:nvPicPr>
-            <p:cNvPr id="4" name="Imagen 3"/>
+            <p:cNvPr id="2" name="Imagen 1"/>
             <p:cNvPicPr>
               <a:picLocks noChangeAspect="1"/>
             </p:cNvPicPr>
@@ -3009,8 +3007,66 @@
           </p:blipFill>
           <p:spPr>
             <a:xfrm>
-              <a:off x="1019180" y="341194"/>
-              <a:ext cx="10058400" cy="5027869"/>
+              <a:off x="854" y="-40"/>
+              <a:ext cx="3598743" cy="7199390"/>
+            </a:xfrm>
+            <a:prstGeom prst="rect">
+              <a:avLst/>
+            </a:prstGeom>
+          </p:spPr>
+        </p:pic>
+        <p:pic>
+          <p:nvPicPr>
+            <p:cNvPr id="3" name="Imagen 2"/>
+            <p:cNvPicPr>
+              <a:picLocks noChangeAspect="1"/>
+            </p:cNvPicPr>
+            <p:nvPr/>
+          </p:nvPicPr>
+          <p:blipFill rotWithShape="1">
+            <a:blip r:embed="rId3" cstate="print">
+              <a:extLst>
+                <a:ext uri="{28A0092B-C50C-407E-A947-70E740481C1C}">
+                  <a14:useLocalDpi xmlns:a14="http://schemas.microsoft.com/office/drawing/2010/main" val="0"/>
+                </a:ext>
+              </a:extLst>
+            </a:blip>
+            <a:srcRect l="56339" t="52481"/>
+            <a:stretch/>
+          </p:blipFill>
+          <p:spPr>
+            <a:xfrm>
+              <a:off x="2587534" y="468649"/>
+              <a:ext cx="969002" cy="900000"/>
+            </a:xfrm>
+            <a:prstGeom prst="rect">
+              <a:avLst/>
+            </a:prstGeom>
+          </p:spPr>
+        </p:pic>
+        <p:pic>
+          <p:nvPicPr>
+            <p:cNvPr id="4" name="Imagen 3"/>
+            <p:cNvPicPr>
+              <a:picLocks noChangeAspect="1"/>
+            </p:cNvPicPr>
+            <p:nvPr/>
+          </p:nvPicPr>
+          <p:blipFill rotWithShape="1">
+            <a:blip r:embed="rId4" cstate="print">
+              <a:extLst>
+                <a:ext uri="{28A0092B-C50C-407E-A947-70E740481C1C}">
+                  <a14:useLocalDpi xmlns:a14="http://schemas.microsoft.com/office/drawing/2010/main" val="0"/>
+                </a:ext>
+              </a:extLst>
+            </a:blip>
+            <a:srcRect l="45396" t="3255" b="56666"/>
+            <a:stretch/>
+          </p:blipFill>
+          <p:spPr>
+            <a:xfrm>
+              <a:off x="2230669" y="5858420"/>
+              <a:ext cx="1436831" cy="900000"/>
             </a:xfrm>
             <a:prstGeom prst="rect">
               <a:avLst/>
@@ -3026,20 +3082,20 @@
             <p:nvPr/>
           </p:nvPicPr>
           <p:blipFill rotWithShape="1">
-            <a:blip r:embed="rId3" cstate="print">
+            <a:blip r:embed="rId5" cstate="print">
               <a:extLst>
                 <a:ext uri="{28A0092B-C50C-407E-A947-70E740481C1C}">
                   <a14:useLocalDpi xmlns:a14="http://schemas.microsoft.com/office/drawing/2010/main" val="0"/>
                 </a:ext>
               </a:extLst>
             </a:blip>
-            <a:srcRect l="58207" t="53683" r="1113" b="2212"/>
+            <a:srcRect t="59740" r="48006"/>
             <a:stretch/>
           </p:blipFill>
           <p:spPr>
             <a:xfrm>
-              <a:off x="2030065" y="5263011"/>
-              <a:ext cx="1281358" cy="1185556"/>
+              <a:off x="2214051" y="3241598"/>
+              <a:ext cx="1362034" cy="900000"/>
             </a:xfrm>
             <a:prstGeom prst="rect">
               <a:avLst/>
@@ -3055,20 +3111,20 @@
             <p:nvPr/>
           </p:nvPicPr>
           <p:blipFill rotWithShape="1">
-            <a:blip r:embed="rId4" cstate="print">
+            <a:blip r:embed="rId6" cstate="print">
               <a:extLst>
                 <a:ext uri="{28A0092B-C50C-407E-A947-70E740481C1C}">
                   <a14:useLocalDpi xmlns:a14="http://schemas.microsoft.com/office/drawing/2010/main" val="0"/>
                 </a:ext>
               </a:extLst>
             </a:blip>
-            <a:srcRect l="45455" t="5576" b="54806"/>
+            <a:srcRect l="4751" r="60725" b="45440"/>
             <a:stretch/>
           </p:blipFill>
           <p:spPr>
             <a:xfrm>
-              <a:off x="7138713" y="5263011"/>
-              <a:ext cx="1544303" cy="957226"/>
+              <a:off x="2843580" y="1773297"/>
+              <a:ext cx="667340" cy="900000"/>
             </a:xfrm>
             <a:prstGeom prst="rect">
               <a:avLst/>
@@ -3083,91 +3139,213 @@
             </p:cNvPicPr>
             <p:nvPr/>
           </p:nvPicPr>
-          <p:blipFill rotWithShape="1">
-            <a:blip r:embed="rId5" cstate="print">
+          <p:blipFill>
+            <a:blip r:embed="rId7" cstate="print">
               <a:extLst>
                 <a:ext uri="{28A0092B-C50C-407E-A947-70E740481C1C}">
                   <a14:useLocalDpi xmlns:a14="http://schemas.microsoft.com/office/drawing/2010/main" val="0"/>
                 </a:ext>
               </a:extLst>
             </a:blip>
-            <a:srcRect l="1387" t="60598" r="49927" b="4610"/>
-            <a:stretch/>
+            <a:stretch>
+              <a:fillRect/>
+            </a:stretch>
           </p:blipFill>
           <p:spPr>
             <a:xfrm>
-              <a:off x="4402543" y="5337116"/>
-              <a:ext cx="1621999" cy="989174"/>
+              <a:off x="2516931" y="4546246"/>
+              <a:ext cx="1039605" cy="900000"/>
             </a:xfrm>
             <a:prstGeom prst="rect">
               <a:avLst/>
             </a:prstGeom>
           </p:spPr>
         </p:pic>
-        <p:pic>
-          <p:nvPicPr>
-            <p:cNvPr id="8" name="Imagen 7"/>
-            <p:cNvPicPr>
-              <a:picLocks noChangeAspect="1"/>
-            </p:cNvPicPr>
+        <p:sp>
+          <p:nvSpPr>
+            <p:cNvPr id="8" name="CuadroTexto 7"/>
+            <p:cNvSpPr txBox="1"/>
             <p:nvPr/>
-          </p:nvPicPr>
-          <p:blipFill rotWithShape="1">
-            <a:blip r:embed="rId6" cstate="print">
-              <a:extLst>
-                <a:ext uri="{28A0092B-C50C-407E-A947-70E740481C1C}">
-                  <a14:useLocalDpi xmlns:a14="http://schemas.microsoft.com/office/drawing/2010/main" val="0"/>
-                </a:ext>
-              </a:extLst>
-            </a:blip>
-            <a:srcRect l="7434" t="2603" r="60662" b="44885"/>
-            <a:stretch/>
-          </p:blipFill>
+          </p:nvSpPr>
           <p:spPr>
             <a:xfrm>
-              <a:off x="3489386" y="5263011"/>
-              <a:ext cx="938915" cy="1318823"/>
+              <a:off x="209550" y="-28615"/>
+              <a:ext cx="295274" cy="276999"/>
             </a:xfrm>
             <a:prstGeom prst="rect">
               <a:avLst/>
             </a:prstGeom>
+            <a:noFill/>
           </p:spPr>
-        </p:pic>
+          <p:txBody>
+            <a:bodyPr wrap="none" rtlCol="0">
+              <a:spAutoFit/>
+            </a:bodyPr>
+            <a:lstStyle/>
+            <a:p>
+              <a:r>
+                <a:rPr lang="es-MX" sz="1200" b="1" dirty="0" smtClean="0">
+                  <a:latin typeface="Times New Roman" panose="02020603050405020304" pitchFamily="18" charset="0"/>
+                  <a:cs typeface="Times New Roman" panose="02020603050405020304" pitchFamily="18" charset="0"/>
+                </a:rPr>
+                <a:t>A</a:t>
+              </a:r>
+              <a:endParaRPr lang="es-MX" b="1" dirty="0">
+                <a:latin typeface="Times New Roman" panose="02020603050405020304" pitchFamily="18" charset="0"/>
+                <a:cs typeface="Times New Roman" panose="02020603050405020304" pitchFamily="18" charset="0"/>
+              </a:endParaRPr>
+            </a:p>
+          </p:txBody>
+        </p:sp>
+        <p:sp>
+          <p:nvSpPr>
+            <p:cNvPr id="9" name="CuadroTexto 8"/>
+            <p:cNvSpPr txBox="1"/>
+            <p:nvPr/>
+          </p:nvSpPr>
+          <p:spPr>
+            <a:xfrm>
+              <a:off x="209550" y="1314410"/>
+              <a:ext cx="287258" cy="276999"/>
+            </a:xfrm>
+            <a:prstGeom prst="rect">
+              <a:avLst/>
+            </a:prstGeom>
+            <a:noFill/>
+          </p:spPr>
+          <p:txBody>
+            <a:bodyPr wrap="none" rtlCol="0">
+              <a:spAutoFit/>
+            </a:bodyPr>
+            <a:lstStyle/>
+            <a:p>
+              <a:r>
+                <a:rPr lang="es-MX" sz="1200" b="1" dirty="0">
+                  <a:latin typeface="Times New Roman" panose="02020603050405020304" pitchFamily="18" charset="0"/>
+                  <a:cs typeface="Times New Roman" panose="02020603050405020304" pitchFamily="18" charset="0"/>
+                </a:rPr>
+                <a:t>B</a:t>
+              </a:r>
+              <a:endParaRPr lang="es-MX" b="1" dirty="0">
+                <a:latin typeface="Times New Roman" panose="02020603050405020304" pitchFamily="18" charset="0"/>
+                <a:cs typeface="Times New Roman" panose="02020603050405020304" pitchFamily="18" charset="0"/>
+              </a:endParaRPr>
+            </a:p>
+          </p:txBody>
+        </p:sp>
+        <p:sp>
+          <p:nvSpPr>
+            <p:cNvPr id="10" name="CuadroTexto 9"/>
+            <p:cNvSpPr txBox="1"/>
+            <p:nvPr/>
+          </p:nvSpPr>
+          <p:spPr>
+            <a:xfrm>
+              <a:off x="209550" y="2666960"/>
+              <a:ext cx="295274" cy="276999"/>
+            </a:xfrm>
+            <a:prstGeom prst="rect">
+              <a:avLst/>
+            </a:prstGeom>
+            <a:noFill/>
+          </p:spPr>
+          <p:txBody>
+            <a:bodyPr wrap="none" rtlCol="0">
+              <a:spAutoFit/>
+            </a:bodyPr>
+            <a:lstStyle/>
+            <a:p>
+              <a:r>
+                <a:rPr lang="es-MX" sz="1200" b="1" dirty="0">
+                  <a:latin typeface="Times New Roman" panose="02020603050405020304" pitchFamily="18" charset="0"/>
+                  <a:cs typeface="Times New Roman" panose="02020603050405020304" pitchFamily="18" charset="0"/>
+                </a:rPr>
+                <a:t>C</a:t>
+              </a:r>
+              <a:endParaRPr lang="es-MX" b="1" dirty="0">
+                <a:latin typeface="Times New Roman" panose="02020603050405020304" pitchFamily="18" charset="0"/>
+                <a:cs typeface="Times New Roman" panose="02020603050405020304" pitchFamily="18" charset="0"/>
+              </a:endParaRPr>
+            </a:p>
+          </p:txBody>
+        </p:sp>
+        <p:sp>
+          <p:nvSpPr>
+            <p:cNvPr id="11" name="CuadroTexto 10"/>
+            <p:cNvSpPr txBox="1"/>
+            <p:nvPr/>
+          </p:nvSpPr>
+          <p:spPr>
+            <a:xfrm>
+              <a:off x="209550" y="4029035"/>
+              <a:ext cx="295274" cy="276999"/>
+            </a:xfrm>
+            <a:prstGeom prst="rect">
+              <a:avLst/>
+            </a:prstGeom>
+            <a:noFill/>
+          </p:spPr>
+          <p:txBody>
+            <a:bodyPr wrap="none" rtlCol="0">
+              <a:spAutoFit/>
+            </a:bodyPr>
+            <a:lstStyle/>
+            <a:p>
+              <a:r>
+                <a:rPr lang="es-MX" sz="1200" b="1" dirty="0">
+                  <a:latin typeface="Times New Roman" panose="02020603050405020304" pitchFamily="18" charset="0"/>
+                  <a:cs typeface="Times New Roman" panose="02020603050405020304" pitchFamily="18" charset="0"/>
+                </a:rPr>
+                <a:t>D</a:t>
+              </a:r>
+              <a:endParaRPr lang="es-MX" b="1" dirty="0">
+                <a:latin typeface="Times New Roman" panose="02020603050405020304" pitchFamily="18" charset="0"/>
+                <a:cs typeface="Times New Roman" panose="02020603050405020304" pitchFamily="18" charset="0"/>
+              </a:endParaRPr>
+            </a:p>
+          </p:txBody>
+        </p:sp>
+        <p:sp>
+          <p:nvSpPr>
+            <p:cNvPr id="12" name="CuadroTexto 11"/>
+            <p:cNvSpPr txBox="1"/>
+            <p:nvPr/>
+          </p:nvSpPr>
+          <p:spPr>
+            <a:xfrm>
+              <a:off x="209550" y="5381585"/>
+              <a:ext cx="287258" cy="276999"/>
+            </a:xfrm>
+            <a:prstGeom prst="rect">
+              <a:avLst/>
+            </a:prstGeom>
+            <a:noFill/>
+          </p:spPr>
+          <p:txBody>
+            <a:bodyPr wrap="none" rtlCol="0">
+              <a:spAutoFit/>
+            </a:bodyPr>
+            <a:lstStyle/>
+            <a:p>
+              <a:r>
+                <a:rPr lang="es-MX" sz="1200" b="1" dirty="0">
+                  <a:latin typeface="Times New Roman" panose="02020603050405020304" pitchFamily="18" charset="0"/>
+                  <a:cs typeface="Times New Roman" panose="02020603050405020304" pitchFamily="18" charset="0"/>
+                </a:rPr>
+                <a:t>E</a:t>
+              </a:r>
+              <a:endParaRPr lang="es-MX" b="1" dirty="0">
+                <a:latin typeface="Times New Roman" panose="02020603050405020304" pitchFamily="18" charset="0"/>
+                <a:cs typeface="Times New Roman" panose="02020603050405020304" pitchFamily="18" charset="0"/>
+              </a:endParaRPr>
+            </a:p>
+          </p:txBody>
+        </p:sp>
       </p:grpSp>
-      <p:pic>
-        <p:nvPicPr>
-          <p:cNvPr id="2" name="Imagen 1"/>
-          <p:cNvPicPr>
-            <a:picLocks noChangeAspect="1"/>
-          </p:cNvPicPr>
-          <p:nvPr/>
-        </p:nvPicPr>
-        <p:blipFill>
-          <a:blip r:embed="rId7" cstate="print">
-            <a:extLst>
-              <a:ext uri="{28A0092B-C50C-407E-A947-70E740481C1C}">
-                <a14:useLocalDpi xmlns:a14="http://schemas.microsoft.com/office/drawing/2010/main" val="0"/>
-              </a:ext>
-            </a:extLst>
-          </a:blip>
-          <a:stretch>
-            <a:fillRect/>
-          </a:stretch>
-        </p:blipFill>
-        <p:spPr>
-          <a:xfrm>
-            <a:off x="4856749" y="4983134"/>
-            <a:ext cx="1368120" cy="1184400"/>
-          </a:xfrm>
-          <a:prstGeom prst="rect">
-            <a:avLst/>
-          </a:prstGeom>
-        </p:spPr>
-      </p:pic>
     </p:spTree>
     <p:extLst>
       <p:ext uri="{BB962C8B-B14F-4D97-AF65-F5344CB8AC3E}">
-        <p14:creationId xmlns:p14="http://schemas.microsoft.com/office/powerpoint/2010/main" val="1499094356"/>
+        <p14:creationId xmlns:p14="http://schemas.microsoft.com/office/powerpoint/2010/main" val="407663129"/>
       </p:ext>
     </p:extLst>
   </p:cSld>

--- a/Windows/Figures/Editing_Figure2.pptx
+++ b/Windows/Figures/Editing_Figure2.pptx
@@ -3008,7 +3008,7 @@
           <p:spPr>
             <a:xfrm>
               <a:off x="854" y="-40"/>
-              <a:ext cx="3598743" cy="7199390"/>
+              <a:ext cx="3598742" cy="7199390"/>
             </a:xfrm>
             <a:prstGeom prst="rect">
               <a:avLst/>

--- a/Windows/Figures/Editing_Figure2.pptx
+++ b/Windows/Figures/Editing_Figure2.pptx
@@ -243,7 +243,7 @@
           <a:p>
             <a:fld id="{7DD4AFE3-42CC-4454-A5E4-FFB5893FAB51}" type="datetimeFigureOut">
               <a:rPr lang="es-MX" smtClean="0"/>
-              <a:t>28/05/2022</a:t>
+              <a:t>03/08/2022</a:t>
             </a:fld>
             <a:endParaRPr lang="es-MX"/>
           </a:p>
@@ -413,7 +413,7 @@
           <a:p>
             <a:fld id="{7DD4AFE3-42CC-4454-A5E4-FFB5893FAB51}" type="datetimeFigureOut">
               <a:rPr lang="es-MX" smtClean="0"/>
-              <a:t>28/05/2022</a:t>
+              <a:t>03/08/2022</a:t>
             </a:fld>
             <a:endParaRPr lang="es-MX"/>
           </a:p>
@@ -593,7 +593,7 @@
           <a:p>
             <a:fld id="{7DD4AFE3-42CC-4454-A5E4-FFB5893FAB51}" type="datetimeFigureOut">
               <a:rPr lang="es-MX" smtClean="0"/>
-              <a:t>28/05/2022</a:t>
+              <a:t>03/08/2022</a:t>
             </a:fld>
             <a:endParaRPr lang="es-MX"/>
           </a:p>
@@ -763,7 +763,7 @@
           <a:p>
             <a:fld id="{7DD4AFE3-42CC-4454-A5E4-FFB5893FAB51}" type="datetimeFigureOut">
               <a:rPr lang="es-MX" smtClean="0"/>
-              <a:t>28/05/2022</a:t>
+              <a:t>03/08/2022</a:t>
             </a:fld>
             <a:endParaRPr lang="es-MX"/>
           </a:p>
@@ -1007,7 +1007,7 @@
           <a:p>
             <a:fld id="{7DD4AFE3-42CC-4454-A5E4-FFB5893FAB51}" type="datetimeFigureOut">
               <a:rPr lang="es-MX" smtClean="0"/>
-              <a:t>28/05/2022</a:t>
+              <a:t>03/08/2022</a:t>
             </a:fld>
             <a:endParaRPr lang="es-MX"/>
           </a:p>
@@ -1239,7 +1239,7 @@
           <a:p>
             <a:fld id="{7DD4AFE3-42CC-4454-A5E4-FFB5893FAB51}" type="datetimeFigureOut">
               <a:rPr lang="es-MX" smtClean="0"/>
-              <a:t>28/05/2022</a:t>
+              <a:t>03/08/2022</a:t>
             </a:fld>
             <a:endParaRPr lang="es-MX"/>
           </a:p>
@@ -1606,7 +1606,7 @@
           <a:p>
             <a:fld id="{7DD4AFE3-42CC-4454-A5E4-FFB5893FAB51}" type="datetimeFigureOut">
               <a:rPr lang="es-MX" smtClean="0"/>
-              <a:t>28/05/2022</a:t>
+              <a:t>03/08/2022</a:t>
             </a:fld>
             <a:endParaRPr lang="es-MX"/>
           </a:p>
@@ -1724,7 +1724,7 @@
           <a:p>
             <a:fld id="{7DD4AFE3-42CC-4454-A5E4-FFB5893FAB51}" type="datetimeFigureOut">
               <a:rPr lang="es-MX" smtClean="0"/>
-              <a:t>28/05/2022</a:t>
+              <a:t>03/08/2022</a:t>
             </a:fld>
             <a:endParaRPr lang="es-MX"/>
           </a:p>
@@ -1819,7 +1819,7 @@
           <a:p>
             <a:fld id="{7DD4AFE3-42CC-4454-A5E4-FFB5893FAB51}" type="datetimeFigureOut">
               <a:rPr lang="es-MX" smtClean="0"/>
-              <a:t>28/05/2022</a:t>
+              <a:t>03/08/2022</a:t>
             </a:fld>
             <a:endParaRPr lang="es-MX"/>
           </a:p>
@@ -2096,7 +2096,7 @@
           <a:p>
             <a:fld id="{7DD4AFE3-42CC-4454-A5E4-FFB5893FAB51}" type="datetimeFigureOut">
               <a:rPr lang="es-MX" smtClean="0"/>
-              <a:t>28/05/2022</a:t>
+              <a:t>03/08/2022</a:t>
             </a:fld>
             <a:endParaRPr lang="es-MX"/>
           </a:p>
@@ -2353,7 +2353,7 @@
           <a:p>
             <a:fld id="{7DD4AFE3-42CC-4454-A5E4-FFB5893FAB51}" type="datetimeFigureOut">
               <a:rPr lang="es-MX" smtClean="0"/>
-              <a:t>28/05/2022</a:t>
+              <a:t>03/08/2022</a:t>
             </a:fld>
             <a:endParaRPr lang="es-MX"/>
           </a:p>
@@ -2566,7 +2566,7 @@
           <a:p>
             <a:fld id="{7DD4AFE3-42CC-4454-A5E4-FFB5893FAB51}" type="datetimeFigureOut">
               <a:rPr lang="es-MX" smtClean="0"/>
-              <a:t>28/05/2022</a:t>
+              <a:t>03/08/2022</a:t>
             </a:fld>
             <a:endParaRPr lang="es-MX"/>
           </a:p>
@@ -2980,9 +2980,9 @@
         <p:grpSpPr>
           <a:xfrm>
             <a:off x="854" y="-28615"/>
-            <a:ext cx="3666646" cy="7227965"/>
+            <a:ext cx="3649898" cy="7227964"/>
             <a:chOff x="854" y="-28615"/>
-            <a:chExt cx="3666646" cy="7227965"/>
+            <a:chExt cx="3649898" cy="7227964"/>
           </a:xfrm>
         </p:grpSpPr>
         <p:pic>
@@ -3007,8 +3007,8 @@
           </p:blipFill>
           <p:spPr>
             <a:xfrm>
-              <a:off x="854" y="-40"/>
-              <a:ext cx="3598742" cy="7199390"/>
+              <a:off x="854" y="-39"/>
+              <a:ext cx="3598742" cy="7199388"/>
             </a:xfrm>
             <a:prstGeom prst="rect">
               <a:avLst/>
@@ -3036,7 +3036,7 @@
           </p:blipFill>
           <p:spPr>
             <a:xfrm>
-              <a:off x="2587534" y="468649"/>
+              <a:off x="2630594" y="14886"/>
               <a:ext cx="969002" cy="900000"/>
             </a:xfrm>
             <a:prstGeom prst="rect">
@@ -3065,7 +3065,7 @@
           </p:blipFill>
           <p:spPr>
             <a:xfrm>
-              <a:off x="2230669" y="5858420"/>
+              <a:off x="2213921" y="5368052"/>
               <a:ext cx="1436831" cy="900000"/>
             </a:xfrm>
             <a:prstGeom prst="rect">
@@ -3094,7 +3094,7 @@
           </p:blipFill>
           <p:spPr>
             <a:xfrm>
-              <a:off x="2214051" y="3241598"/>
+              <a:off x="2230669" y="2756882"/>
               <a:ext cx="1362034" cy="900000"/>
             </a:xfrm>
             <a:prstGeom prst="rect">
@@ -3123,7 +3123,7 @@
           </p:blipFill>
           <p:spPr>
             <a:xfrm>
-              <a:off x="2843580" y="1773297"/>
+              <a:off x="2764770" y="1374511"/>
               <a:ext cx="667340" cy="900000"/>
             </a:xfrm>
             <a:prstGeom prst="rect">
@@ -3153,7 +3153,7 @@
           </p:blipFill>
           <p:spPr>
             <a:xfrm>
-              <a:off x="2516931" y="4546246"/>
+              <a:off x="2131567" y="4476049"/>
               <a:ext cx="1039605" cy="900000"/>
             </a:xfrm>
             <a:prstGeom prst="rect">
@@ -3342,6 +3342,438 @@
           </p:txBody>
         </p:sp>
       </p:grpSp>
+      <p:sp>
+        <p:nvSpPr>
+          <p:cNvPr id="14" name="CuadroTexto 13"/>
+          <p:cNvSpPr txBox="1"/>
+          <p:nvPr/>
+        </p:nvSpPr>
+        <p:spPr>
+          <a:xfrm>
+            <a:off x="2791012" y="4885445"/>
+            <a:ext cx="760321" cy="507831"/>
+          </a:xfrm>
+          <a:prstGeom prst="rect">
+            <a:avLst/>
+          </a:prstGeom>
+          <a:noFill/>
+        </p:spPr>
+        <p:txBody>
+          <a:bodyPr wrap="square" rtlCol="0">
+            <a:spAutoFit/>
+          </a:bodyPr>
+          <a:lstStyle/>
+          <a:p>
+            <a:pPr algn="r"/>
+            <a:r>
+              <a:rPr lang="en-US" sz="900" dirty="0" smtClean="0">
+                <a:latin typeface="Times New Roman" panose="02020603050405020304" pitchFamily="18" charset="0"/>
+                <a:cs typeface="Times New Roman" panose="02020603050405020304" pitchFamily="18" charset="0"/>
+              </a:rPr>
+              <a:t>R</a:t>
+            </a:r>
+            <a:r>
+              <a:rPr lang="en-US" sz="900" baseline="30000" dirty="0" smtClean="0">
+                <a:latin typeface="Times New Roman" panose="02020603050405020304" pitchFamily="18" charset="0"/>
+                <a:cs typeface="Times New Roman" panose="02020603050405020304" pitchFamily="18" charset="0"/>
+              </a:rPr>
+              <a:t>2</a:t>
+            </a:r>
+            <a:r>
+              <a:rPr lang="en-US" sz="900" dirty="0" smtClean="0">
+                <a:latin typeface="Times New Roman" panose="02020603050405020304" pitchFamily="18" charset="0"/>
+                <a:cs typeface="Times New Roman" panose="02020603050405020304" pitchFamily="18" charset="0"/>
+              </a:rPr>
+              <a:t>=0.22 </a:t>
+            </a:r>
+          </a:p>
+          <a:p>
+            <a:pPr algn="r"/>
+            <a:r>
+              <a:rPr lang="en-US" sz="900" dirty="0" smtClean="0">
+                <a:latin typeface="Times New Roman" panose="02020603050405020304" pitchFamily="18" charset="0"/>
+                <a:cs typeface="Times New Roman" panose="02020603050405020304" pitchFamily="18" charset="0"/>
+              </a:rPr>
+              <a:t>F</a:t>
+            </a:r>
+            <a:r>
+              <a:rPr lang="en-US" sz="900" baseline="-25000" dirty="0" smtClean="0">
+                <a:latin typeface="Times New Roman" panose="02020603050405020304" pitchFamily="18" charset="0"/>
+                <a:cs typeface="Times New Roman" panose="02020603050405020304" pitchFamily="18" charset="0"/>
+              </a:rPr>
+              <a:t>(1,92)</a:t>
+            </a:r>
+            <a:r>
+              <a:rPr lang="en-US" sz="900" dirty="0" smtClean="0">
+                <a:latin typeface="Times New Roman" panose="02020603050405020304" pitchFamily="18" charset="0"/>
+                <a:cs typeface="Times New Roman" panose="02020603050405020304" pitchFamily="18" charset="0"/>
+              </a:rPr>
+              <a:t>=25.64 </a:t>
+            </a:r>
+          </a:p>
+          <a:p>
+            <a:pPr algn="r"/>
+            <a:r>
+              <a:rPr lang="en-US" sz="900" dirty="0" smtClean="0">
+                <a:latin typeface="Times New Roman" panose="02020603050405020304" pitchFamily="18" charset="0"/>
+                <a:cs typeface="Times New Roman" panose="02020603050405020304" pitchFamily="18" charset="0"/>
+              </a:rPr>
+              <a:t>p=2.1x10</a:t>
+            </a:r>
+            <a:r>
+              <a:rPr lang="en-US" sz="900" baseline="30000" dirty="0" smtClean="0">
+                <a:latin typeface="Times New Roman" panose="02020603050405020304" pitchFamily="18" charset="0"/>
+                <a:cs typeface="Times New Roman" panose="02020603050405020304" pitchFamily="18" charset="0"/>
+              </a:rPr>
+              <a:t>-6</a:t>
+            </a:r>
+            <a:endParaRPr lang="en-US" sz="900" baseline="30000" dirty="0">
+              <a:latin typeface="Times New Roman" panose="02020603050405020304" pitchFamily="18" charset="0"/>
+              <a:cs typeface="Times New Roman" panose="02020603050405020304" pitchFamily="18" charset="0"/>
+            </a:endParaRPr>
+          </a:p>
+        </p:txBody>
+      </p:sp>
+      <p:sp>
+        <p:nvSpPr>
+          <p:cNvPr id="15" name="CuadroTexto 14"/>
+          <p:cNvSpPr txBox="1"/>
+          <p:nvPr/>
+        </p:nvSpPr>
+        <p:spPr>
+          <a:xfrm>
+            <a:off x="2791011" y="834133"/>
+            <a:ext cx="760321" cy="507831"/>
+          </a:xfrm>
+          <a:prstGeom prst="rect">
+            <a:avLst/>
+          </a:prstGeom>
+          <a:noFill/>
+        </p:spPr>
+        <p:txBody>
+          <a:bodyPr wrap="square" rtlCol="0">
+            <a:spAutoFit/>
+          </a:bodyPr>
+          <a:lstStyle/>
+          <a:p>
+            <a:pPr algn="r"/>
+            <a:r>
+              <a:rPr lang="en-US" sz="900" dirty="0" smtClean="0">
+                <a:latin typeface="Times New Roman" panose="02020603050405020304" pitchFamily="18" charset="0"/>
+                <a:cs typeface="Times New Roman" panose="02020603050405020304" pitchFamily="18" charset="0"/>
+              </a:rPr>
+              <a:t>R</a:t>
+            </a:r>
+            <a:r>
+              <a:rPr lang="en-US" sz="900" baseline="30000" dirty="0" smtClean="0">
+                <a:latin typeface="Times New Roman" panose="02020603050405020304" pitchFamily="18" charset="0"/>
+                <a:cs typeface="Times New Roman" panose="02020603050405020304" pitchFamily="18" charset="0"/>
+              </a:rPr>
+              <a:t>2</a:t>
+            </a:r>
+            <a:r>
+              <a:rPr lang="en-US" sz="900" dirty="0" smtClean="0">
+                <a:latin typeface="Times New Roman" panose="02020603050405020304" pitchFamily="18" charset="0"/>
+                <a:cs typeface="Times New Roman" panose="02020603050405020304" pitchFamily="18" charset="0"/>
+              </a:rPr>
+              <a:t>=0.15 </a:t>
+            </a:r>
+          </a:p>
+          <a:p>
+            <a:pPr algn="r"/>
+            <a:r>
+              <a:rPr lang="en-US" sz="900" dirty="0" smtClean="0">
+                <a:latin typeface="Times New Roman" panose="02020603050405020304" pitchFamily="18" charset="0"/>
+                <a:cs typeface="Times New Roman" panose="02020603050405020304" pitchFamily="18" charset="0"/>
+              </a:rPr>
+              <a:t>F</a:t>
+            </a:r>
+            <a:r>
+              <a:rPr lang="en-US" sz="900" baseline="-25000" dirty="0" smtClean="0">
+                <a:latin typeface="Times New Roman" panose="02020603050405020304" pitchFamily="18" charset="0"/>
+                <a:cs typeface="Times New Roman" panose="02020603050405020304" pitchFamily="18" charset="0"/>
+              </a:rPr>
+              <a:t>(1,22)</a:t>
+            </a:r>
+            <a:r>
+              <a:rPr lang="en-US" sz="900" dirty="0" smtClean="0">
+                <a:latin typeface="Times New Roman" panose="02020603050405020304" pitchFamily="18" charset="0"/>
+                <a:cs typeface="Times New Roman" panose="02020603050405020304" pitchFamily="18" charset="0"/>
+              </a:rPr>
+              <a:t>=3.96 </a:t>
+            </a:r>
+          </a:p>
+          <a:p>
+            <a:pPr algn="r"/>
+            <a:r>
+              <a:rPr lang="en-US" sz="900" dirty="0" smtClean="0">
+                <a:latin typeface="Times New Roman" panose="02020603050405020304" pitchFamily="18" charset="0"/>
+                <a:cs typeface="Times New Roman" panose="02020603050405020304" pitchFamily="18" charset="0"/>
+              </a:rPr>
+              <a:t>p=0.0593</a:t>
+            </a:r>
+            <a:endParaRPr lang="en-US" sz="900" baseline="30000" dirty="0">
+              <a:latin typeface="Times New Roman" panose="02020603050405020304" pitchFamily="18" charset="0"/>
+              <a:cs typeface="Times New Roman" panose="02020603050405020304" pitchFamily="18" charset="0"/>
+            </a:endParaRPr>
+          </a:p>
+        </p:txBody>
+      </p:sp>
+      <p:sp>
+        <p:nvSpPr>
+          <p:cNvPr id="16" name="CuadroTexto 15"/>
+          <p:cNvSpPr txBox="1"/>
+          <p:nvPr/>
+        </p:nvSpPr>
+        <p:spPr>
+          <a:xfrm>
+            <a:off x="2782051" y="2181823"/>
+            <a:ext cx="760321" cy="507831"/>
+          </a:xfrm>
+          <a:prstGeom prst="rect">
+            <a:avLst/>
+          </a:prstGeom>
+          <a:noFill/>
+        </p:spPr>
+        <p:txBody>
+          <a:bodyPr wrap="square" rtlCol="0">
+            <a:spAutoFit/>
+          </a:bodyPr>
+          <a:lstStyle/>
+          <a:p>
+            <a:pPr algn="r"/>
+            <a:r>
+              <a:rPr lang="en-US" sz="900" dirty="0" smtClean="0">
+                <a:latin typeface="Times New Roman" panose="02020603050405020304" pitchFamily="18" charset="0"/>
+                <a:cs typeface="Times New Roman" panose="02020603050405020304" pitchFamily="18" charset="0"/>
+              </a:rPr>
+              <a:t>R</a:t>
+            </a:r>
+            <a:r>
+              <a:rPr lang="en-US" sz="900" baseline="30000" dirty="0" smtClean="0">
+                <a:latin typeface="Times New Roman" panose="02020603050405020304" pitchFamily="18" charset="0"/>
+                <a:cs typeface="Times New Roman" panose="02020603050405020304" pitchFamily="18" charset="0"/>
+              </a:rPr>
+              <a:t>2</a:t>
+            </a:r>
+            <a:r>
+              <a:rPr lang="en-US" sz="900" dirty="0" smtClean="0">
+                <a:latin typeface="Times New Roman" panose="02020603050405020304" pitchFamily="18" charset="0"/>
+                <a:cs typeface="Times New Roman" panose="02020603050405020304" pitchFamily="18" charset="0"/>
+              </a:rPr>
+              <a:t>=0.45 </a:t>
+            </a:r>
+          </a:p>
+          <a:p>
+            <a:pPr algn="r"/>
+            <a:r>
+              <a:rPr lang="en-US" sz="900" dirty="0" smtClean="0">
+                <a:latin typeface="Times New Roman" panose="02020603050405020304" pitchFamily="18" charset="0"/>
+                <a:cs typeface="Times New Roman" panose="02020603050405020304" pitchFamily="18" charset="0"/>
+              </a:rPr>
+              <a:t>F</a:t>
+            </a:r>
+            <a:r>
+              <a:rPr lang="en-US" sz="900" baseline="-25000" dirty="0" smtClean="0">
+                <a:latin typeface="Times New Roman" panose="02020603050405020304" pitchFamily="18" charset="0"/>
+                <a:cs typeface="Times New Roman" panose="02020603050405020304" pitchFamily="18" charset="0"/>
+              </a:rPr>
+              <a:t>(1,3)</a:t>
+            </a:r>
+            <a:r>
+              <a:rPr lang="en-US" sz="900" dirty="0" smtClean="0">
+                <a:latin typeface="Times New Roman" panose="02020603050405020304" pitchFamily="18" charset="0"/>
+                <a:cs typeface="Times New Roman" panose="02020603050405020304" pitchFamily="18" charset="0"/>
+              </a:rPr>
+              <a:t>=2.46 </a:t>
+            </a:r>
+          </a:p>
+          <a:p>
+            <a:pPr algn="r"/>
+            <a:r>
+              <a:rPr lang="en-US" sz="900" dirty="0" smtClean="0">
+                <a:latin typeface="Times New Roman" panose="02020603050405020304" pitchFamily="18" charset="0"/>
+                <a:cs typeface="Times New Roman" panose="02020603050405020304" pitchFamily="18" charset="0"/>
+              </a:rPr>
+              <a:t>p=0.2147</a:t>
+            </a:r>
+            <a:endParaRPr lang="en-US" sz="900" baseline="30000" dirty="0">
+              <a:latin typeface="Times New Roman" panose="02020603050405020304" pitchFamily="18" charset="0"/>
+              <a:cs typeface="Times New Roman" panose="02020603050405020304" pitchFamily="18" charset="0"/>
+            </a:endParaRPr>
+          </a:p>
+        </p:txBody>
+      </p:sp>
+      <p:sp>
+        <p:nvSpPr>
+          <p:cNvPr id="17" name="CuadroTexto 16"/>
+          <p:cNvSpPr txBox="1"/>
+          <p:nvPr/>
+        </p:nvSpPr>
+        <p:spPr>
+          <a:xfrm>
+            <a:off x="2785039" y="3535492"/>
+            <a:ext cx="760321" cy="507831"/>
+          </a:xfrm>
+          <a:prstGeom prst="rect">
+            <a:avLst/>
+          </a:prstGeom>
+          <a:noFill/>
+        </p:spPr>
+        <p:txBody>
+          <a:bodyPr wrap="square" rtlCol="0">
+            <a:spAutoFit/>
+          </a:bodyPr>
+          <a:lstStyle/>
+          <a:p>
+            <a:pPr algn="r"/>
+            <a:r>
+              <a:rPr lang="en-US" sz="900" dirty="0" smtClean="0">
+                <a:latin typeface="Times New Roman" panose="02020603050405020304" pitchFamily="18" charset="0"/>
+                <a:cs typeface="Times New Roman" panose="02020603050405020304" pitchFamily="18" charset="0"/>
+              </a:rPr>
+              <a:t>R</a:t>
+            </a:r>
+            <a:r>
+              <a:rPr lang="en-US" sz="900" baseline="30000" dirty="0" smtClean="0">
+                <a:latin typeface="Times New Roman" panose="02020603050405020304" pitchFamily="18" charset="0"/>
+                <a:cs typeface="Times New Roman" panose="02020603050405020304" pitchFamily="18" charset="0"/>
+              </a:rPr>
+              <a:t>2</a:t>
+            </a:r>
+            <a:r>
+              <a:rPr lang="en-US" sz="900" dirty="0" smtClean="0">
+                <a:latin typeface="Times New Roman" panose="02020603050405020304" pitchFamily="18" charset="0"/>
+                <a:cs typeface="Times New Roman" panose="02020603050405020304" pitchFamily="18" charset="0"/>
+              </a:rPr>
+              <a:t>=0.33</a:t>
+            </a:r>
+          </a:p>
+          <a:p>
+            <a:pPr algn="r"/>
+            <a:r>
+              <a:rPr lang="en-US" sz="900" dirty="0" smtClean="0">
+                <a:latin typeface="Times New Roman" panose="02020603050405020304" pitchFamily="18" charset="0"/>
+                <a:cs typeface="Times New Roman" panose="02020603050405020304" pitchFamily="18" charset="0"/>
+              </a:rPr>
+              <a:t>F</a:t>
+            </a:r>
+            <a:r>
+              <a:rPr lang="en-US" sz="900" baseline="-25000" dirty="0" smtClean="0">
+                <a:latin typeface="Times New Roman" panose="02020603050405020304" pitchFamily="18" charset="0"/>
+                <a:cs typeface="Times New Roman" panose="02020603050405020304" pitchFamily="18" charset="0"/>
+              </a:rPr>
+              <a:t>(1,30)</a:t>
+            </a:r>
+            <a:r>
+              <a:rPr lang="en-US" sz="900" dirty="0" smtClean="0">
+                <a:latin typeface="Times New Roman" panose="02020603050405020304" pitchFamily="18" charset="0"/>
+                <a:cs typeface="Times New Roman" panose="02020603050405020304" pitchFamily="18" charset="0"/>
+              </a:rPr>
+              <a:t>=14.96 </a:t>
+            </a:r>
+          </a:p>
+          <a:p>
+            <a:pPr algn="r"/>
+            <a:r>
+              <a:rPr lang="en-US" sz="900" dirty="0" smtClean="0">
+                <a:latin typeface="Times New Roman" panose="02020603050405020304" pitchFamily="18" charset="0"/>
+                <a:cs typeface="Times New Roman" panose="02020603050405020304" pitchFamily="18" charset="0"/>
+              </a:rPr>
+              <a:t>p=0.0005</a:t>
+            </a:r>
+            <a:endParaRPr lang="en-US" sz="900" baseline="30000" dirty="0">
+              <a:latin typeface="Times New Roman" panose="02020603050405020304" pitchFamily="18" charset="0"/>
+              <a:cs typeface="Times New Roman" panose="02020603050405020304" pitchFamily="18" charset="0"/>
+            </a:endParaRPr>
+          </a:p>
+        </p:txBody>
+      </p:sp>
+      <p:sp>
+        <p:nvSpPr>
+          <p:cNvPr id="18" name="CuadroTexto 17"/>
+          <p:cNvSpPr txBox="1"/>
+          <p:nvPr/>
+        </p:nvSpPr>
+        <p:spPr>
+          <a:xfrm>
+            <a:off x="2789337" y="6243750"/>
+            <a:ext cx="760321" cy="507831"/>
+          </a:xfrm>
+          <a:prstGeom prst="rect">
+            <a:avLst/>
+          </a:prstGeom>
+          <a:noFill/>
+        </p:spPr>
+        <p:txBody>
+          <a:bodyPr wrap="square" rtlCol="0">
+            <a:spAutoFit/>
+          </a:bodyPr>
+          <a:lstStyle/>
+          <a:p>
+            <a:pPr algn="r"/>
+            <a:r>
+              <a:rPr lang="en-US" sz="900" dirty="0" smtClean="0">
+                <a:latin typeface="Times New Roman" panose="02020603050405020304" pitchFamily="18" charset="0"/>
+                <a:cs typeface="Times New Roman" panose="02020603050405020304" pitchFamily="18" charset="0"/>
+              </a:rPr>
+              <a:t>R</a:t>
+            </a:r>
+            <a:r>
+              <a:rPr lang="en-US" sz="900" baseline="30000" dirty="0" smtClean="0">
+                <a:latin typeface="Times New Roman" panose="02020603050405020304" pitchFamily="18" charset="0"/>
+                <a:cs typeface="Times New Roman" panose="02020603050405020304" pitchFamily="18" charset="0"/>
+              </a:rPr>
+              <a:t>2</a:t>
+            </a:r>
+            <a:r>
+              <a:rPr lang="en-US" sz="900" dirty="0" smtClean="0">
+                <a:latin typeface="Times New Roman" panose="02020603050405020304" pitchFamily="18" charset="0"/>
+                <a:cs typeface="Times New Roman" panose="02020603050405020304" pitchFamily="18" charset="0"/>
+              </a:rPr>
+              <a:t>=0.58 </a:t>
+            </a:r>
+          </a:p>
+          <a:p>
+            <a:pPr algn="r"/>
+            <a:r>
+              <a:rPr lang="en-US" sz="900" dirty="0" smtClean="0">
+                <a:latin typeface="Times New Roman" panose="02020603050405020304" pitchFamily="18" charset="0"/>
+                <a:cs typeface="Times New Roman" panose="02020603050405020304" pitchFamily="18" charset="0"/>
+              </a:rPr>
+              <a:t>F</a:t>
+            </a:r>
+            <a:r>
+              <a:rPr lang="en-US" sz="900" baseline="-25000" dirty="0" smtClean="0">
+                <a:latin typeface="Times New Roman" panose="02020603050405020304" pitchFamily="18" charset="0"/>
+                <a:cs typeface="Times New Roman" panose="02020603050405020304" pitchFamily="18" charset="0"/>
+              </a:rPr>
+              <a:t>(1,4)</a:t>
+            </a:r>
+            <a:r>
+              <a:rPr lang="en-US" sz="900" dirty="0" smtClean="0">
+                <a:latin typeface="Times New Roman" panose="02020603050405020304" pitchFamily="18" charset="0"/>
+                <a:cs typeface="Times New Roman" panose="02020603050405020304" pitchFamily="18" charset="0"/>
+              </a:rPr>
+              <a:t>=5.43 </a:t>
+            </a:r>
+          </a:p>
+          <a:p>
+            <a:pPr algn="r"/>
+            <a:r>
+              <a:rPr lang="en-US" sz="900" dirty="0" smtClean="0">
+                <a:latin typeface="Times New Roman" panose="02020603050405020304" pitchFamily="18" charset="0"/>
+                <a:cs typeface="Times New Roman" panose="02020603050405020304" pitchFamily="18" charset="0"/>
+              </a:rPr>
+              <a:t>p=0.0802</a:t>
+            </a:r>
+            <a:endParaRPr lang="en-US" sz="900" baseline="30000" dirty="0">
+              <a:latin typeface="Times New Roman" panose="02020603050405020304" pitchFamily="18" charset="0"/>
+              <a:cs typeface="Times New Roman" panose="02020603050405020304" pitchFamily="18" charset="0"/>
+            </a:endParaRPr>
+          </a:p>
+        </p:txBody>
+      </p:sp>
     </p:spTree>
     <p:extLst>
       <p:ext uri="{BB962C8B-B14F-4D97-AF65-F5344CB8AC3E}">
